--- a/3D/VTK-Notes.pptx
+++ b/3D/VTK-Notes.pptx
@@ -8,6 +8,20 @@
     <p:sldId id="256" r:id="rId3"/>
     <p:sldId id="258" r:id="rId4"/>
     <p:sldId id="257" r:id="rId5"/>
+    <p:sldId id="262" r:id="rId6"/>
+    <p:sldId id="260" r:id="rId7"/>
+    <p:sldId id="261" r:id="rId8"/>
+    <p:sldId id="267" r:id="rId9"/>
+    <p:sldId id="263" r:id="rId10"/>
+    <p:sldId id="264" r:id="rId11"/>
+    <p:sldId id="265" r:id="rId12"/>
+    <p:sldId id="266" r:id="rId13"/>
+    <p:sldId id="269" r:id="rId14"/>
+    <p:sldId id="270" r:id="rId15"/>
+    <p:sldId id="271" r:id="rId16"/>
+    <p:sldId id="272" r:id="rId17"/>
+    <p:sldId id="273" r:id="rId18"/>
+    <p:sldId id="274" r:id="rId19"/>
   </p:sldIdLst>
   <p:sldSz cx="12192000" cy="6858000"/>
   <p:notesSz cx="6858000" cy="9144000"/>
@@ -3129,6 +3143,1076 @@
 </p:sld>
 </file>
 
+<file path=ppt/slides/slide10.xml><?xml version="1.0" encoding="utf-8"?>
+<p:sld xmlns:a="http://schemas.openxmlformats.org/drawingml/2006/main" xmlns:r="http://schemas.openxmlformats.org/officeDocument/2006/relationships" xmlns:p="http://schemas.openxmlformats.org/presentationml/2006/main">
+  <p:cSld>
+    <p:spTree>
+      <p:nvGrpSpPr>
+        <p:cNvPr id="1" name=""/>
+        <p:cNvGrpSpPr/>
+        <p:nvPr/>
+      </p:nvGrpSpPr>
+      <p:grpSpPr/>
+      <p:sp>
+        <p:nvSpPr>
+          <p:cNvPr id="2" name="标题 1"/>
+          <p:cNvSpPr>
+            <a:spLocks noGrp="1"/>
+          </p:cNvSpPr>
+          <p:nvPr>
+            <p:ph type="title"/>
+          </p:nvPr>
+        </p:nvSpPr>
+        <p:spPr/>
+        <p:txBody>
+          <a:bodyPr/>
+          <a:p>
+            <a:r>
+              <a:rPr lang="en-US" altLang="zh-CN"/>
+              <a:t>Mappers</a:t>
+            </a:r>
+            <a:endParaRPr lang="en-US" altLang="zh-CN"/>
+          </a:p>
+        </p:txBody>
+      </p:sp>
+    </p:spTree>
+    <p:custDataLst>
+      <p:tags r:id="rId1"/>
+    </p:custDataLst>
+  </p:cSld>
+  <p:clrMapOvr>
+    <a:masterClrMapping/>
+  </p:clrMapOvr>
+</p:sld>
+</file>
+
+<file path=ppt/slides/slide11.xml><?xml version="1.0" encoding="utf-8"?>
+<p:sld xmlns:a="http://schemas.openxmlformats.org/drawingml/2006/main" xmlns:r="http://schemas.openxmlformats.org/officeDocument/2006/relationships" xmlns:p="http://schemas.openxmlformats.org/presentationml/2006/main">
+  <p:cSld>
+    <p:spTree>
+      <p:nvGrpSpPr>
+        <p:cNvPr id="1" name=""/>
+        <p:cNvGrpSpPr/>
+        <p:nvPr/>
+      </p:nvGrpSpPr>
+      <p:grpSpPr/>
+      <p:sp>
+        <p:nvSpPr>
+          <p:cNvPr id="2" name="标题 1"/>
+          <p:cNvSpPr>
+            <a:spLocks noGrp="1"/>
+          </p:cNvSpPr>
+          <p:nvPr>
+            <p:ph type="title"/>
+          </p:nvPr>
+        </p:nvSpPr>
+        <p:spPr/>
+        <p:txBody>
+          <a:bodyPr/>
+          <a:p>
+            <a:r>
+              <a:rPr lang="en-US" altLang="zh-CN"/>
+              <a:t>Actors</a:t>
+            </a:r>
+            <a:endParaRPr lang="en-US" altLang="zh-CN"/>
+          </a:p>
+        </p:txBody>
+      </p:sp>
+      <p:sp>
+        <p:nvSpPr>
+          <p:cNvPr id="3" name="内容占位符 2"/>
+          <p:cNvSpPr>
+            <a:spLocks noGrp="1"/>
+          </p:cNvSpPr>
+          <p:nvPr>
+            <p:ph idx="1"/>
+          </p:nvPr>
+        </p:nvSpPr>
+        <p:spPr/>
+        <p:txBody>
+          <a:bodyPr/>
+          <a:p>
+            <a:endParaRPr lang="zh-CN" altLang="en-US"/>
+          </a:p>
+        </p:txBody>
+      </p:sp>
+    </p:spTree>
+    <p:custDataLst>
+      <p:tags r:id="rId1"/>
+    </p:custDataLst>
+  </p:cSld>
+  <p:clrMapOvr>
+    <a:masterClrMapping/>
+  </p:clrMapOvr>
+</p:sld>
+</file>
+
+<file path=ppt/slides/slide12.xml><?xml version="1.0" encoding="utf-8"?>
+<p:sld xmlns:a="http://schemas.openxmlformats.org/drawingml/2006/main" xmlns:r="http://schemas.openxmlformats.org/officeDocument/2006/relationships" xmlns:p="http://schemas.openxmlformats.org/presentationml/2006/main">
+  <p:cSld>
+    <p:spTree>
+      <p:nvGrpSpPr>
+        <p:cNvPr id="1" name=""/>
+        <p:cNvGrpSpPr/>
+        <p:nvPr/>
+      </p:nvGrpSpPr>
+      <p:grpSpPr/>
+      <p:sp>
+        <p:nvSpPr>
+          <p:cNvPr id="2" name="标题 1"/>
+          <p:cNvSpPr>
+            <a:spLocks noGrp="1"/>
+          </p:cNvSpPr>
+          <p:nvPr>
+            <p:ph type="title"/>
+          </p:nvPr>
+        </p:nvSpPr>
+        <p:spPr/>
+        <p:txBody>
+          <a:bodyPr/>
+          <a:p>
+            <a:r>
+              <a:rPr lang="en-US" altLang="zh-CN"/>
+              <a:t>Texture</a:t>
+            </a:r>
+            <a:endParaRPr lang="en-US" altLang="zh-CN"/>
+          </a:p>
+        </p:txBody>
+      </p:sp>
+      <p:sp>
+        <p:nvSpPr>
+          <p:cNvPr id="4" name="圆角矩形 3"/>
+          <p:cNvSpPr/>
+          <p:nvPr/>
+        </p:nvSpPr>
+        <p:spPr>
+          <a:xfrm>
+            <a:off x="4237355" y="1655445"/>
+            <a:ext cx="3115945" cy="1251585"/>
+          </a:xfrm>
+          <a:prstGeom prst="roundRect">
+            <a:avLst/>
+          </a:prstGeom>
+        </p:spPr>
+        <p:style>
+          <a:lnRef idx="2">
+            <a:schemeClr val="accent1">
+              <a:shade val="50000"/>
+            </a:schemeClr>
+          </a:lnRef>
+          <a:fillRef idx="1">
+            <a:schemeClr val="accent1"/>
+          </a:fillRef>
+          <a:effectRef idx="0">
+            <a:schemeClr val="accent1"/>
+          </a:effectRef>
+          <a:fontRef idx="minor">
+            <a:schemeClr val="lt1"/>
+          </a:fontRef>
+        </p:style>
+        <p:txBody>
+          <a:bodyPr rtlCol="0" anchor="ctr"/>
+          <a:p>
+            <a:pPr algn="ctr"/>
+            <a:r>
+              <a:rPr lang="en-US" altLang="zh-CN" b="1"/>
+              <a:t>vtkTexture</a:t>
+            </a:r>
+            <a:endParaRPr lang="en-US" altLang="zh-CN"/>
+          </a:p>
+          <a:p>
+            <a:pPr algn="ctr"/>
+            <a:r>
+              <a:rPr lang="en-US" altLang="zh-CN"/>
+              <a:t>- SetInputConnection(conn)</a:t>
+            </a:r>
+            <a:endParaRPr lang="en-US" altLang="zh-CN"/>
+          </a:p>
+          <a:p>
+            <a:pPr algn="ctr"/>
+            <a:r>
+              <a:rPr lang="en-US" altLang="zh-CN"/>
+              <a:t>- InterpolateOn()</a:t>
+            </a:r>
+            <a:endParaRPr lang="en-US" altLang="zh-CN"/>
+          </a:p>
+        </p:txBody>
+      </p:sp>
+      <p:sp>
+        <p:nvSpPr>
+          <p:cNvPr id="5" name="圆角矩形 4"/>
+          <p:cNvSpPr/>
+          <p:nvPr/>
+        </p:nvSpPr>
+        <p:spPr>
+          <a:xfrm>
+            <a:off x="664845" y="1655445"/>
+            <a:ext cx="3115945" cy="1251585"/>
+          </a:xfrm>
+          <a:prstGeom prst="roundRect">
+            <a:avLst/>
+          </a:prstGeom>
+        </p:spPr>
+        <p:style>
+          <a:lnRef idx="2">
+            <a:schemeClr val="accent1">
+              <a:shade val="50000"/>
+            </a:schemeClr>
+          </a:lnRef>
+          <a:fillRef idx="1">
+            <a:schemeClr val="accent1"/>
+          </a:fillRef>
+          <a:effectRef idx="0">
+            <a:schemeClr val="accent1"/>
+          </a:effectRef>
+          <a:fontRef idx="minor">
+            <a:schemeClr val="lt1"/>
+          </a:fontRef>
+        </p:style>
+        <p:txBody>
+          <a:bodyPr rtlCol="0" anchor="ctr"/>
+          <a:p>
+            <a:pPr algn="ctr"/>
+            <a:r>
+              <a:rPr lang="en-US" altLang="zh-CN" b="1"/>
+              <a:t>vtkAlgorithm</a:t>
+            </a:r>
+            <a:endParaRPr lang="en-US" altLang="zh-CN" b="1"/>
+          </a:p>
+          <a:p>
+            <a:pPr algn="ctr"/>
+            <a:r>
+              <a:rPr lang="en-US" altLang="zh-CN"/>
+              <a:t>- SetInputConnection(conn)</a:t>
+            </a:r>
+            <a:endParaRPr lang="en-US" altLang="zh-CN"/>
+          </a:p>
+          <a:p>
+            <a:pPr algn="ctr"/>
+            <a:endParaRPr lang="en-US" altLang="zh-CN"/>
+          </a:p>
+        </p:txBody>
+      </p:sp>
+      <p:cxnSp>
+        <p:nvCxnSpPr>
+          <p:cNvPr id="6" name="直接箭头连接符 5"/>
+          <p:cNvCxnSpPr>
+            <a:stCxn id="5" idx="3"/>
+            <a:endCxn id="4" idx="1"/>
+          </p:cNvCxnSpPr>
+          <p:nvPr/>
+        </p:nvCxnSpPr>
+        <p:spPr>
+          <a:xfrm>
+            <a:off x="3780790" y="2281555"/>
+            <a:ext cx="456565" cy="0"/>
+          </a:xfrm>
+          <a:prstGeom prst="straightConnector1">
+            <a:avLst/>
+          </a:prstGeom>
+          <a:ln>
+            <a:tailEnd type="arrow"/>
+          </a:ln>
+        </p:spPr>
+        <p:style>
+          <a:lnRef idx="1">
+            <a:schemeClr val="accent1"/>
+          </a:lnRef>
+          <a:fillRef idx="0">
+            <a:schemeClr val="accent1"/>
+          </a:fillRef>
+          <a:effectRef idx="0">
+            <a:schemeClr val="accent1"/>
+          </a:effectRef>
+          <a:fontRef idx="minor">
+            <a:schemeClr val="tx1"/>
+          </a:fontRef>
+        </p:style>
+      </p:cxnSp>
+    </p:spTree>
+    <p:custDataLst>
+      <p:tags r:id="rId1"/>
+    </p:custDataLst>
+  </p:cSld>
+  <p:clrMapOvr>
+    <a:masterClrMapping/>
+  </p:clrMapOvr>
+</p:sld>
+</file>
+
+<file path=ppt/slides/slide13.xml><?xml version="1.0" encoding="utf-8"?>
+<p:sld xmlns:a="http://schemas.openxmlformats.org/drawingml/2006/main" xmlns:r="http://schemas.openxmlformats.org/officeDocument/2006/relationships" xmlns:p="http://schemas.openxmlformats.org/presentationml/2006/main">
+  <p:cSld>
+    <p:spTree>
+      <p:nvGrpSpPr>
+        <p:cNvPr id="1" name=""/>
+        <p:cNvGrpSpPr/>
+        <p:nvPr/>
+      </p:nvGrpSpPr>
+      <p:grpSpPr/>
+      <p:sp>
+        <p:nvSpPr>
+          <p:cNvPr id="2" name="标题 1"/>
+          <p:cNvSpPr>
+            <a:spLocks noGrp="1"/>
+          </p:cNvSpPr>
+          <p:nvPr>
+            <p:ph type="title"/>
+          </p:nvPr>
+        </p:nvSpPr>
+        <p:spPr/>
+        <p:txBody>
+          <a:bodyPr/>
+          <a:p>
+            <a:r>
+              <a:rPr lang="en-US" altLang="zh-CN"/>
+              <a:t>Text</a:t>
+            </a:r>
+            <a:endParaRPr lang="en-US" altLang="zh-CN"/>
+          </a:p>
+        </p:txBody>
+      </p:sp>
+      <p:sp>
+        <p:nvSpPr>
+          <p:cNvPr id="4" name="圆角矩形 3"/>
+          <p:cNvSpPr/>
+          <p:nvPr/>
+        </p:nvSpPr>
+        <p:spPr>
+          <a:xfrm>
+            <a:off x="1395095" y="1472565"/>
+            <a:ext cx="4250690" cy="3077210"/>
+          </a:xfrm>
+          <a:prstGeom prst="roundRect">
+            <a:avLst/>
+          </a:prstGeom>
+        </p:spPr>
+        <p:style>
+          <a:lnRef idx="2">
+            <a:schemeClr val="accent1">
+              <a:shade val="50000"/>
+            </a:schemeClr>
+          </a:lnRef>
+          <a:fillRef idx="1">
+            <a:schemeClr val="accent1"/>
+          </a:fillRef>
+          <a:effectRef idx="0">
+            <a:schemeClr val="accent1"/>
+          </a:effectRef>
+          <a:fontRef idx="minor">
+            <a:schemeClr val="lt1"/>
+          </a:fontRef>
+        </p:style>
+        <p:txBody>
+          <a:bodyPr rtlCol="0" anchor="ctr"/>
+          <a:p>
+            <a:pPr algn="ctr"/>
+            <a:r>
+              <a:rPr lang="en-US" altLang="zh-CN" b="1"/>
+              <a:t>vtkTextActor</a:t>
+            </a:r>
+            <a:endParaRPr lang="en-US" altLang="zh-CN" b="1"/>
+          </a:p>
+        </p:txBody>
+      </p:sp>
+    </p:spTree>
+    <p:custDataLst>
+      <p:tags r:id="rId1"/>
+    </p:custDataLst>
+  </p:cSld>
+  <p:clrMapOvr>
+    <a:masterClrMapping/>
+  </p:clrMapOvr>
+</p:sld>
+</file>
+
+<file path=ppt/slides/slide14.xml><?xml version="1.0" encoding="utf-8"?>
+<p:sld xmlns:a="http://schemas.openxmlformats.org/drawingml/2006/main" xmlns:r="http://schemas.openxmlformats.org/officeDocument/2006/relationships" xmlns:p="http://schemas.openxmlformats.org/presentationml/2006/main">
+  <p:cSld>
+    <p:spTree>
+      <p:nvGrpSpPr>
+        <p:cNvPr id="1" name=""/>
+        <p:cNvGrpSpPr/>
+        <p:nvPr/>
+      </p:nvGrpSpPr>
+      <p:grpSpPr/>
+      <p:sp>
+        <p:nvSpPr>
+          <p:cNvPr id="2" name="标题 1"/>
+          <p:cNvSpPr>
+            <a:spLocks noGrp="1"/>
+          </p:cNvSpPr>
+          <p:nvPr>
+            <p:ph type="title"/>
+          </p:nvPr>
+        </p:nvSpPr>
+        <p:spPr/>
+        <p:txBody>
+          <a:bodyPr/>
+          <a:p>
+            <a:r>
+              <a:rPr lang="en-US" altLang="zh-CN"/>
+              <a:t>3D Widgets</a:t>
+            </a:r>
+            <a:endParaRPr lang="en-US" altLang="zh-CN"/>
+          </a:p>
+        </p:txBody>
+      </p:sp>
+      <p:sp>
+        <p:nvSpPr>
+          <p:cNvPr id="4" name="圆角矩形 3"/>
+          <p:cNvSpPr/>
+          <p:nvPr/>
+        </p:nvSpPr>
+        <p:spPr>
+          <a:xfrm>
+            <a:off x="991235" y="1797685"/>
+            <a:ext cx="2816225" cy="756920"/>
+          </a:xfrm>
+          <a:prstGeom prst="roundRect">
+            <a:avLst/>
+          </a:prstGeom>
+        </p:spPr>
+        <p:style>
+          <a:lnRef idx="2">
+            <a:schemeClr val="accent1">
+              <a:shade val="50000"/>
+            </a:schemeClr>
+          </a:lnRef>
+          <a:fillRef idx="1">
+            <a:schemeClr val="accent1"/>
+          </a:fillRef>
+          <a:effectRef idx="0">
+            <a:schemeClr val="accent1"/>
+          </a:effectRef>
+          <a:fontRef idx="minor">
+            <a:schemeClr val="lt1"/>
+          </a:fontRef>
+        </p:style>
+        <p:txBody>
+          <a:bodyPr rtlCol="0" anchor="ctr"/>
+          <a:p>
+            <a:pPr algn="ctr"/>
+            <a:r>
+              <a:rPr lang="en-US" altLang="zh-CN"/>
+              <a:t>vtkScalarBarWidget</a:t>
+            </a:r>
+            <a:endParaRPr lang="en-US" altLang="zh-CN"/>
+          </a:p>
+        </p:txBody>
+      </p:sp>
+      <p:sp>
+        <p:nvSpPr>
+          <p:cNvPr id="5" name="圆角矩形 4"/>
+          <p:cNvSpPr/>
+          <p:nvPr/>
+        </p:nvSpPr>
+        <p:spPr>
+          <a:xfrm>
+            <a:off x="991235" y="3134360"/>
+            <a:ext cx="2816225" cy="756920"/>
+          </a:xfrm>
+          <a:prstGeom prst="roundRect">
+            <a:avLst/>
+          </a:prstGeom>
+        </p:spPr>
+        <p:style>
+          <a:lnRef idx="2">
+            <a:schemeClr val="accent1">
+              <a:shade val="50000"/>
+            </a:schemeClr>
+          </a:lnRef>
+          <a:fillRef idx="1">
+            <a:schemeClr val="accent1"/>
+          </a:fillRef>
+          <a:effectRef idx="0">
+            <a:schemeClr val="accent1"/>
+          </a:effectRef>
+          <a:fontRef idx="minor">
+            <a:schemeClr val="lt1"/>
+          </a:fontRef>
+        </p:style>
+        <p:txBody>
+          <a:bodyPr rtlCol="0" anchor="ctr"/>
+          <a:p>
+            <a:pPr algn="ctr"/>
+            <a:r>
+              <a:rPr lang="en-US" altLang="zh-CN"/>
+              <a:t>vtkPointWidget</a:t>
+            </a:r>
+            <a:endParaRPr lang="en-US" altLang="zh-CN"/>
+          </a:p>
+        </p:txBody>
+      </p:sp>
+      <p:sp>
+        <p:nvSpPr>
+          <p:cNvPr id="6" name="圆角矩形 5"/>
+          <p:cNvSpPr/>
+          <p:nvPr/>
+        </p:nvSpPr>
+        <p:spPr>
+          <a:xfrm>
+            <a:off x="991235" y="4385945"/>
+            <a:ext cx="2816225" cy="756920"/>
+          </a:xfrm>
+          <a:prstGeom prst="roundRect">
+            <a:avLst/>
+          </a:prstGeom>
+        </p:spPr>
+        <p:style>
+          <a:lnRef idx="2">
+            <a:schemeClr val="accent1">
+              <a:shade val="50000"/>
+            </a:schemeClr>
+          </a:lnRef>
+          <a:fillRef idx="1">
+            <a:schemeClr val="accent1"/>
+          </a:fillRef>
+          <a:effectRef idx="0">
+            <a:schemeClr val="accent1"/>
+          </a:effectRef>
+          <a:fontRef idx="minor">
+            <a:schemeClr val="lt1"/>
+          </a:fontRef>
+        </p:style>
+        <p:txBody>
+          <a:bodyPr rtlCol="0" anchor="ctr"/>
+          <a:p>
+            <a:pPr algn="ctr"/>
+            <a:r>
+              <a:rPr lang="en-US" altLang="zh-CN"/>
+              <a:t>vtkLineWidget</a:t>
+            </a:r>
+            <a:endParaRPr lang="en-US" altLang="zh-CN"/>
+          </a:p>
+        </p:txBody>
+      </p:sp>
+      <p:sp>
+        <p:nvSpPr>
+          <p:cNvPr id="7" name="圆角矩形 6"/>
+          <p:cNvSpPr/>
+          <p:nvPr/>
+        </p:nvSpPr>
+        <p:spPr>
+          <a:xfrm>
+            <a:off x="991235" y="5598795"/>
+            <a:ext cx="2816225" cy="756920"/>
+          </a:xfrm>
+          <a:prstGeom prst="roundRect">
+            <a:avLst/>
+          </a:prstGeom>
+        </p:spPr>
+        <p:style>
+          <a:lnRef idx="2">
+            <a:schemeClr val="accent1">
+              <a:shade val="50000"/>
+            </a:schemeClr>
+          </a:lnRef>
+          <a:fillRef idx="1">
+            <a:schemeClr val="accent1"/>
+          </a:fillRef>
+          <a:effectRef idx="0">
+            <a:schemeClr val="accent1"/>
+          </a:effectRef>
+          <a:fontRef idx="minor">
+            <a:schemeClr val="lt1"/>
+          </a:fontRef>
+        </p:style>
+        <p:txBody>
+          <a:bodyPr rtlCol="0" anchor="ctr"/>
+          <a:p>
+            <a:pPr algn="ctr"/>
+            <a:r>
+              <a:rPr lang="en-US" altLang="zh-CN"/>
+              <a:t>vtkPlane</a:t>
+            </a:r>
+            <a:r>
+              <a:rPr lang="en-US" altLang="zh-CN"/>
+              <a:t>Widget</a:t>
+            </a:r>
+            <a:endParaRPr lang="en-US" altLang="zh-CN"/>
+          </a:p>
+        </p:txBody>
+      </p:sp>
+      <p:pic>
+        <p:nvPicPr>
+          <p:cNvPr id="8" name="图片 7"/>
+          <p:cNvPicPr>
+            <a:picLocks noChangeAspect="1"/>
+          </p:cNvPicPr>
+          <p:nvPr/>
+        </p:nvPicPr>
+        <p:blipFill>
+          <a:blip r:embed="rId1"/>
+          <a:stretch>
+            <a:fillRect/>
+          </a:stretch>
+        </p:blipFill>
+        <p:spPr>
+          <a:xfrm>
+            <a:off x="7287260" y="1259205"/>
+            <a:ext cx="4264660" cy="5279390"/>
+          </a:xfrm>
+          <a:prstGeom prst="rect">
+            <a:avLst/>
+          </a:prstGeom>
+        </p:spPr>
+      </p:pic>
+      <p:sp>
+        <p:nvSpPr>
+          <p:cNvPr id="9" name="圆角矩形 8"/>
+          <p:cNvSpPr/>
+          <p:nvPr/>
+        </p:nvSpPr>
+        <p:spPr>
+          <a:xfrm>
+            <a:off x="4138930" y="1797685"/>
+            <a:ext cx="2816225" cy="756920"/>
+          </a:xfrm>
+          <a:prstGeom prst="roundRect">
+            <a:avLst/>
+          </a:prstGeom>
+        </p:spPr>
+        <p:style>
+          <a:lnRef idx="2">
+            <a:schemeClr val="accent1">
+              <a:shade val="50000"/>
+            </a:schemeClr>
+          </a:lnRef>
+          <a:fillRef idx="1">
+            <a:schemeClr val="accent1"/>
+          </a:fillRef>
+          <a:effectRef idx="0">
+            <a:schemeClr val="accent1"/>
+          </a:effectRef>
+          <a:fontRef idx="minor">
+            <a:schemeClr val="lt1"/>
+          </a:fontRef>
+        </p:style>
+        <p:txBody>
+          <a:bodyPr rtlCol="0" anchor="ctr"/>
+          <a:p>
+            <a:pPr algn="ctr"/>
+            <a:r>
+              <a:rPr lang="en-US" altLang="zh-CN"/>
+              <a:t>vtkBoxWidget</a:t>
+            </a:r>
+            <a:endParaRPr lang="en-US" altLang="zh-CN"/>
+          </a:p>
+        </p:txBody>
+      </p:sp>
+    </p:spTree>
+    <p:custDataLst>
+      <p:tags r:id="rId2"/>
+    </p:custDataLst>
+  </p:cSld>
+  <p:clrMapOvr>
+    <a:masterClrMapping/>
+  </p:clrMapOvr>
+</p:sld>
+</file>
+
+<file path=ppt/slides/slide15.xml><?xml version="1.0" encoding="utf-8"?>
+<p:sld xmlns:a="http://schemas.openxmlformats.org/drawingml/2006/main" xmlns:r="http://schemas.openxmlformats.org/officeDocument/2006/relationships" xmlns:p="http://schemas.openxmlformats.org/presentationml/2006/main">
+  <p:cSld>
+    <p:spTree>
+      <p:nvGrpSpPr>
+        <p:cNvPr id="1" name=""/>
+        <p:cNvGrpSpPr/>
+        <p:nvPr/>
+      </p:nvGrpSpPr>
+      <p:grpSpPr/>
+      <p:sp>
+        <p:nvSpPr>
+          <p:cNvPr id="2" name="标题 1"/>
+          <p:cNvSpPr>
+            <a:spLocks noGrp="1"/>
+          </p:cNvSpPr>
+          <p:nvPr>
+            <p:ph type="title"/>
+          </p:nvPr>
+        </p:nvSpPr>
+        <p:spPr/>
+        <p:txBody>
+          <a:bodyPr/>
+          <a:p>
+            <a:r>
+              <a:rPr lang="en-US" altLang="zh-CN"/>
+              <a:t>Animation</a:t>
+            </a:r>
+            <a:endParaRPr lang="en-US" altLang="zh-CN"/>
+          </a:p>
+        </p:txBody>
+      </p:sp>
+      <p:sp>
+        <p:nvSpPr>
+          <p:cNvPr id="4" name="圆角矩形 3"/>
+          <p:cNvSpPr/>
+          <p:nvPr/>
+        </p:nvSpPr>
+        <p:spPr>
+          <a:xfrm>
+            <a:off x="1199515" y="1577340"/>
+            <a:ext cx="3025775" cy="3298190"/>
+          </a:xfrm>
+          <a:prstGeom prst="roundRect">
+            <a:avLst/>
+          </a:prstGeom>
+        </p:spPr>
+        <p:style>
+          <a:lnRef idx="2">
+            <a:schemeClr val="accent1">
+              <a:shade val="50000"/>
+            </a:schemeClr>
+          </a:lnRef>
+          <a:fillRef idx="1">
+            <a:schemeClr val="accent1"/>
+          </a:fillRef>
+          <a:effectRef idx="0">
+            <a:schemeClr val="accent1"/>
+          </a:effectRef>
+          <a:fontRef idx="minor">
+            <a:schemeClr val="lt1"/>
+          </a:fontRef>
+        </p:style>
+        <p:txBody>
+          <a:bodyPr rtlCol="0" anchor="ctr"/>
+          <a:p>
+            <a:pPr algn="ctr"/>
+            <a:r>
+              <a:rPr lang="en-US" altLang="zh-CN" b="1"/>
+              <a:t>vtkAnimationScene</a:t>
+            </a:r>
+            <a:endParaRPr lang="en-US" altLang="zh-CN" b="1"/>
+          </a:p>
+          <a:p>
+            <a:pPr algn="ctr"/>
+            <a:r>
+              <a:rPr lang="en-US" altLang="zh-CN"/>
+              <a:t>- SetStartTime()</a:t>
+            </a:r>
+            <a:endParaRPr lang="en-US" altLang="zh-CN"/>
+          </a:p>
+          <a:p>
+            <a:pPr algn="ctr"/>
+            <a:r>
+              <a:rPr lang="en-US" altLang="zh-CN"/>
+              <a:t>- SetEndTime()</a:t>
+            </a:r>
+            <a:endParaRPr lang="en-US" altLang="zh-CN"/>
+          </a:p>
+          <a:p>
+            <a:pPr algn="ctr"/>
+            <a:r>
+              <a:rPr lang="en-US" altLang="zh-CN"/>
+              <a:t>- SetPlayMode()</a:t>
+            </a:r>
+            <a:endParaRPr lang="en-US" altLang="zh-CN"/>
+          </a:p>
+          <a:p>
+            <a:pPr algn="ctr"/>
+            <a:r>
+              <a:rPr lang="en-US" altLang="zh-CN"/>
+              <a:t>- SetFrameRate()</a:t>
+            </a:r>
+            <a:endParaRPr lang="en-US" altLang="zh-CN"/>
+          </a:p>
+          <a:p>
+            <a:pPr algn="ctr"/>
+            <a:r>
+              <a:rPr lang="en-US" altLang="zh-CN"/>
+              <a:t>- AddCue()</a:t>
+            </a:r>
+            <a:endParaRPr lang="en-US" altLang="zh-CN"/>
+          </a:p>
+          <a:p>
+            <a:pPr algn="ctr"/>
+            <a:r>
+              <a:rPr lang="en-US" altLang="zh-CN"/>
+              <a:t>- RemoveCue()</a:t>
+            </a:r>
+            <a:endParaRPr lang="en-US" altLang="zh-CN"/>
+          </a:p>
+          <a:p>
+            <a:pPr algn="ctr"/>
+            <a:r>
+              <a:rPr lang="en-US" altLang="zh-CN"/>
+              <a:t>- RemoveAllCue()</a:t>
+            </a:r>
+            <a:endParaRPr lang="en-US" altLang="zh-CN"/>
+          </a:p>
+          <a:p>
+            <a:pPr algn="ctr"/>
+            <a:r>
+              <a:rPr lang="en-US" altLang="zh-CN"/>
+              <a:t>- SetAnimationTime()</a:t>
+            </a:r>
+            <a:endParaRPr lang="en-US" altLang="zh-CN"/>
+          </a:p>
+          <a:p>
+            <a:pPr algn="ctr"/>
+            <a:r>
+              <a:rPr lang="en-US" altLang="zh-CN"/>
+              <a:t>- GetAnimationTime()</a:t>
+            </a:r>
+            <a:endParaRPr lang="en-US" altLang="zh-CN"/>
+          </a:p>
+          <a:p>
+            <a:pPr algn="ctr"/>
+            <a:r>
+              <a:rPr lang="en-US" altLang="zh-CN"/>
+              <a:t>- Play()</a:t>
+            </a:r>
+            <a:endParaRPr lang="en-US" altLang="zh-CN"/>
+          </a:p>
+          <a:p>
+            <a:pPr algn="ctr"/>
+            <a:r>
+              <a:rPr lang="en-US" altLang="zh-CN"/>
+              <a:t>- SetLoop()</a:t>
+            </a:r>
+            <a:endParaRPr lang="en-US" altLang="zh-CN"/>
+          </a:p>
+        </p:txBody>
+      </p:sp>
+    </p:spTree>
+    <p:custDataLst>
+      <p:tags r:id="rId1"/>
+    </p:custDataLst>
+  </p:cSld>
+  <p:clrMapOvr>
+    <a:masterClrMapping/>
+  </p:clrMapOvr>
+</p:sld>
+</file>
+
+<file path=ppt/slides/slide16.xml><?xml version="1.0" encoding="utf-8"?>
+<p:sld xmlns:a="http://schemas.openxmlformats.org/drawingml/2006/main" xmlns:r="http://schemas.openxmlformats.org/officeDocument/2006/relationships" xmlns:p="http://schemas.openxmlformats.org/presentationml/2006/main">
+  <p:cSld>
+    <p:spTree>
+      <p:nvGrpSpPr>
+        <p:cNvPr id="1" name=""/>
+        <p:cNvGrpSpPr/>
+        <p:nvPr/>
+      </p:nvGrpSpPr>
+      <p:grpSpPr/>
+      <p:sp>
+        <p:nvSpPr>
+          <p:cNvPr id="2" name="标题 1"/>
+          <p:cNvSpPr>
+            <a:spLocks noGrp="1"/>
+          </p:cNvSpPr>
+          <p:nvPr>
+            <p:ph type="title"/>
+          </p:nvPr>
+        </p:nvSpPr>
+        <p:spPr/>
+        <p:txBody>
+          <a:bodyPr/>
+          <a:p>
+            <a:r>
+              <a:rPr lang="en-US" altLang="zh-CN"/>
+              <a:t>Exporter</a:t>
+            </a:r>
+            <a:endParaRPr lang="en-US" altLang="zh-CN"/>
+          </a:p>
+        </p:txBody>
+      </p:sp>
+    </p:spTree>
+    <p:custDataLst>
+      <p:tags r:id="rId1"/>
+    </p:custDataLst>
+  </p:cSld>
+  <p:clrMapOvr>
+    <a:masterClrMapping/>
+  </p:clrMapOvr>
+</p:sld>
+</file>
+
+<file path=ppt/slides/slide17.xml><?xml version="1.0" encoding="utf-8"?>
+<p:sld xmlns:a="http://schemas.openxmlformats.org/drawingml/2006/main" xmlns:r="http://schemas.openxmlformats.org/officeDocument/2006/relationships" xmlns:p="http://schemas.openxmlformats.org/presentationml/2006/main">
+  <p:cSld>
+    <p:spTree>
+      <p:nvGrpSpPr>
+        <p:cNvPr id="1" name=""/>
+        <p:cNvGrpSpPr/>
+        <p:nvPr/>
+      </p:nvGrpSpPr>
+      <p:grpSpPr/>
+      <p:sp>
+        <p:nvSpPr>
+          <p:cNvPr id="2" name="标题 1"/>
+          <p:cNvSpPr>
+            <a:spLocks noGrp="1"/>
+          </p:cNvSpPr>
+          <p:nvPr>
+            <p:ph type="title"/>
+          </p:nvPr>
+        </p:nvSpPr>
+        <p:spPr/>
+        <p:txBody>
+          <a:bodyPr/>
+          <a:p>
+            <a:r>
+              <a:rPr lang="en-US" altLang="zh-CN"/>
+              <a:t>Conversion</a:t>
+            </a:r>
+            <a:endParaRPr lang="en-US" altLang="zh-CN"/>
+          </a:p>
+        </p:txBody>
+      </p:sp>
+      <p:sp>
+        <p:nvSpPr>
+          <p:cNvPr id="3" name="内容占位符 2"/>
+          <p:cNvSpPr>
+            <a:spLocks noGrp="1"/>
+          </p:cNvSpPr>
+          <p:nvPr>
+            <p:ph idx="1"/>
+          </p:nvPr>
+        </p:nvSpPr>
+        <p:spPr>
+          <a:xfrm>
+            <a:off x="838200" y="1211580"/>
+            <a:ext cx="5654040" cy="4549140"/>
+          </a:xfrm>
+        </p:spPr>
+        <p:txBody>
+          <a:bodyPr/>
+          <a:p>
+            <a:r>
+              <a:rPr lang="en-US" altLang="zh-CN"/>
+              <a:t>To Numpy</a:t>
+            </a:r>
+            <a:endParaRPr lang="en-US" altLang="zh-CN"/>
+          </a:p>
+          <a:p>
+            <a:pPr lvl="1"/>
+            <a:r>
+              <a:rPr lang="en-US" altLang="zh-CN">
+                <a:sym typeface="+mn-ea"/>
+              </a:rPr>
+              <a:t> from vtk.util.numpy_support import vtk_to_numpy</a:t>
+            </a:r>
+            <a:endParaRPr lang="en-US" altLang="zh-CN">
+              <a:sym typeface="+mn-ea"/>
+            </a:endParaRPr>
+          </a:p>
+        </p:txBody>
+      </p:sp>
+      <p:sp>
+        <p:nvSpPr>
+          <p:cNvPr id="4" name="文本框 3"/>
+          <p:cNvSpPr txBox="1"/>
+          <p:nvPr/>
+        </p:nvSpPr>
+        <p:spPr>
+          <a:xfrm>
+            <a:off x="6492240" y="1108075"/>
+            <a:ext cx="5449570" cy="2891790"/>
+          </a:xfrm>
+          <a:prstGeom prst="rect">
+            <a:avLst/>
+          </a:prstGeom>
+          <a:noFill/>
+          <a:ln>
+            <a:solidFill>
+              <a:srgbClr val="FFC000"/>
+            </a:solidFill>
+          </a:ln>
+        </p:spPr>
+        <p:txBody>
+          <a:bodyPr wrap="square" rtlCol="0">
+            <a:spAutoFit/>
+          </a:bodyPr>
+          <a:p>
+            <a:r>
+              <a:rPr lang="zh-CN" altLang="en-US" sz="1400"/>
+              <a:t>vtk_rw = vtk.vtkRenderWindow()</a:t>
+            </a:r>
+            <a:endParaRPr lang="zh-CN" altLang="en-US" sz="1400"/>
+          </a:p>
+          <a:p>
+            <a:endParaRPr lang="zh-CN" altLang="en-US" sz="1400"/>
+          </a:p>
+          <a:p>
+            <a:r>
+              <a:rPr lang="zh-CN" altLang="en-US" sz="1400"/>
+              <a:t>vtk_win_im = vtk.vtkWindowToImageFilter()</a:t>
+            </a:r>
+            <a:endParaRPr lang="zh-CN" altLang="en-US" sz="1400"/>
+          </a:p>
+          <a:p>
+            <a:r>
+              <a:rPr lang="zh-CN" altLang="en-US" sz="1400"/>
+              <a:t>vtk_win_im.SetInput(vtk_rw)</a:t>
+            </a:r>
+            <a:endParaRPr lang="zh-CN" altLang="en-US" sz="1400"/>
+          </a:p>
+          <a:p>
+            <a:r>
+              <a:rPr lang="zh-CN" altLang="en-US" sz="1400"/>
+              <a:t>vtk_win_im.Update()</a:t>
+            </a:r>
+            <a:endParaRPr lang="zh-CN" altLang="en-US" sz="1400"/>
+          </a:p>
+          <a:p>
+            <a:endParaRPr lang="zh-CN" altLang="en-US" sz="1400"/>
+          </a:p>
+          <a:p>
+            <a:r>
+              <a:rPr lang="zh-CN" altLang="en-US" sz="1400"/>
+              <a:t>vtk_image = vtk_win_im.GetOutput()</a:t>
+            </a:r>
+            <a:endParaRPr lang="zh-CN" altLang="en-US" sz="1400"/>
+          </a:p>
+          <a:p>
+            <a:endParaRPr lang="zh-CN" altLang="en-US" sz="1400"/>
+          </a:p>
+          <a:p>
+            <a:r>
+              <a:rPr lang="zh-CN" altLang="en-US" sz="1400"/>
+              <a:t>width, height, _ = vtk_image.GetDimensions()</a:t>
+            </a:r>
+            <a:endParaRPr lang="zh-CN" altLang="en-US" sz="1400"/>
+          </a:p>
+          <a:p>
+            <a:r>
+              <a:rPr lang="zh-CN" altLang="en-US" sz="1400"/>
+              <a:t>vtk_array = vtk_image.GetPointData().GetScalars()</a:t>
+            </a:r>
+            <a:endParaRPr lang="zh-CN" altLang="en-US" sz="1400"/>
+          </a:p>
+          <a:p>
+            <a:r>
+              <a:rPr lang="zh-CN" altLang="en-US" sz="1400"/>
+              <a:t>components = vtk_array.GetNumberOfComponents()</a:t>
+            </a:r>
+            <a:endParaRPr lang="zh-CN" altLang="en-US" sz="1400"/>
+          </a:p>
+          <a:p>
+            <a:endParaRPr lang="zh-CN" altLang="en-US" sz="1400"/>
+          </a:p>
+          <a:p>
+            <a:r>
+              <a:rPr lang="zh-CN" altLang="en-US" sz="1400"/>
+              <a:t>arr = vtk_to_numpy(vtk_array).reshape(height, width, components)</a:t>
+            </a:r>
+            <a:endParaRPr lang="zh-CN" altLang="en-US" sz="1400"/>
+          </a:p>
+        </p:txBody>
+      </p:sp>
+    </p:spTree>
+    <p:custDataLst>
+      <p:tags r:id="rId1"/>
+    </p:custDataLst>
+  </p:cSld>
+  <p:clrMapOvr>
+    <a:masterClrMapping/>
+  </p:clrMapOvr>
+</p:sld>
+</file>
+
 <file path=ppt/slides/slide2.xml><?xml version="1.0" encoding="utf-8"?>
 <p:sld xmlns:a="http://schemas.openxmlformats.org/drawingml/2006/main" xmlns:r="http://schemas.openxmlformats.org/officeDocument/2006/relationships" xmlns:p="http://schemas.openxmlformats.org/presentationml/2006/main">
   <p:cSld>
@@ -3227,9 +4311,13 @@
           <a:p>
             <a:r>
               <a:rPr lang="x-none" altLang="en-US"/>
-              <a:t>Pipeline</a:t>
-            </a:r>
-            <a:endParaRPr lang="x-none" altLang="en-US"/>
+              <a:t>Pipeline </a:t>
+            </a:r>
+            <a:r>
+              <a:rPr lang="en-US" altLang="x-none"/>
+              <a:t>1/2</a:t>
+            </a:r>
+            <a:endParaRPr lang="en-US" altLang="x-none"/>
           </a:p>
         </p:txBody>
       </p:sp>
@@ -4695,6 +5783,2496 @@
 </p:sld>
 </file>
 
+<file path=ppt/slides/slide4.xml><?xml version="1.0" encoding="utf-8"?>
+<p:sld xmlns:a="http://schemas.openxmlformats.org/drawingml/2006/main" xmlns:r="http://schemas.openxmlformats.org/officeDocument/2006/relationships" xmlns:p="http://schemas.openxmlformats.org/presentationml/2006/main">
+  <p:cSld>
+    <p:spTree>
+      <p:nvGrpSpPr>
+        <p:cNvPr id="1" name=""/>
+        <p:cNvGrpSpPr/>
+        <p:nvPr/>
+      </p:nvGrpSpPr>
+      <p:grpSpPr/>
+      <p:sp>
+        <p:nvSpPr>
+          <p:cNvPr id="2" name="标题 1"/>
+          <p:cNvSpPr>
+            <a:spLocks noGrp="1"/>
+          </p:cNvSpPr>
+          <p:nvPr>
+            <p:ph type="title"/>
+          </p:nvPr>
+        </p:nvSpPr>
+        <p:spPr/>
+        <p:txBody>
+          <a:bodyPr/>
+          <a:p>
+            <a:r>
+              <a:rPr lang="en-US" altLang="zh-CN"/>
+              <a:t>Pipeline 2/2</a:t>
+            </a:r>
+            <a:endParaRPr lang="en-US" altLang="zh-CN"/>
+          </a:p>
+        </p:txBody>
+      </p:sp>
+      <p:pic>
+        <p:nvPicPr>
+          <p:cNvPr id="4" name="图片 3"/>
+          <p:cNvPicPr>
+            <a:picLocks noChangeAspect="1"/>
+          </p:cNvPicPr>
+          <p:nvPr>
+            <p:custDataLst>
+              <p:tags r:id="rId1"/>
+            </p:custDataLst>
+          </p:nvPr>
+        </p:nvPicPr>
+        <p:blipFill>
+          <a:blip r:embed="rId2"/>
+          <a:stretch>
+            <a:fillRect/>
+          </a:stretch>
+        </p:blipFill>
+        <p:spPr>
+          <a:xfrm>
+            <a:off x="538480" y="1264285"/>
+            <a:ext cx="3295650" cy="5197475"/>
+          </a:xfrm>
+          <a:prstGeom prst="rect">
+            <a:avLst/>
+          </a:prstGeom>
+        </p:spPr>
+      </p:pic>
+      <p:pic>
+        <p:nvPicPr>
+          <p:cNvPr id="14" name="图片 13"/>
+          <p:cNvPicPr>
+            <a:picLocks noChangeAspect="1"/>
+          </p:cNvPicPr>
+          <p:nvPr/>
+        </p:nvPicPr>
+        <p:blipFill>
+          <a:blip r:embed="rId3"/>
+          <a:stretch>
+            <a:fillRect/>
+          </a:stretch>
+        </p:blipFill>
+        <p:spPr>
+          <a:xfrm>
+            <a:off x="4261485" y="1264285"/>
+            <a:ext cx="7252335" cy="3052445"/>
+          </a:xfrm>
+          <a:prstGeom prst="rect">
+            <a:avLst/>
+          </a:prstGeom>
+        </p:spPr>
+      </p:pic>
+      <p:pic>
+        <p:nvPicPr>
+          <p:cNvPr id="5" name="图片 4"/>
+          <p:cNvPicPr>
+            <a:picLocks noChangeAspect="1"/>
+          </p:cNvPicPr>
+          <p:nvPr/>
+        </p:nvPicPr>
+        <p:blipFill>
+          <a:blip r:embed="rId4"/>
+          <a:stretch>
+            <a:fillRect/>
+          </a:stretch>
+        </p:blipFill>
+        <p:spPr>
+          <a:xfrm>
+            <a:off x="3977640" y="4534535"/>
+            <a:ext cx="7820660" cy="1575435"/>
+          </a:xfrm>
+          <a:prstGeom prst="rect">
+            <a:avLst/>
+          </a:prstGeom>
+        </p:spPr>
+      </p:pic>
+    </p:spTree>
+    <p:custDataLst>
+      <p:tags r:id="rId5"/>
+    </p:custDataLst>
+  </p:cSld>
+  <p:clrMapOvr>
+    <a:masterClrMapping/>
+  </p:clrMapOvr>
+</p:sld>
+</file>
+
+<file path=ppt/slides/slide5.xml><?xml version="1.0" encoding="utf-8"?>
+<p:sld xmlns:a="http://schemas.openxmlformats.org/drawingml/2006/main" xmlns:r="http://schemas.openxmlformats.org/officeDocument/2006/relationships" xmlns:p="http://schemas.openxmlformats.org/presentationml/2006/main">
+  <p:cSld>
+    <p:spTree>
+      <p:nvGrpSpPr>
+        <p:cNvPr id="1" name=""/>
+        <p:cNvGrpSpPr/>
+        <p:nvPr/>
+      </p:nvGrpSpPr>
+      <p:grpSpPr/>
+      <p:sp>
+        <p:nvSpPr>
+          <p:cNvPr id="2" name="标题 1"/>
+          <p:cNvSpPr>
+            <a:spLocks noGrp="1"/>
+          </p:cNvSpPr>
+          <p:nvPr>
+            <p:ph type="title"/>
+          </p:nvPr>
+        </p:nvSpPr>
+        <p:spPr/>
+        <p:txBody>
+          <a:bodyPr/>
+          <a:p>
+            <a:r>
+              <a:rPr lang="en-US" altLang="zh-CN"/>
+              <a:t>Basic Classes</a:t>
+            </a:r>
+            <a:endParaRPr lang="en-US" altLang="zh-CN"/>
+          </a:p>
+        </p:txBody>
+      </p:sp>
+      <p:sp>
+        <p:nvSpPr>
+          <p:cNvPr id="4" name="流程图: 可选过程 3"/>
+          <p:cNvSpPr/>
+          <p:nvPr/>
+        </p:nvSpPr>
+        <p:spPr>
+          <a:xfrm>
+            <a:off x="669290" y="1381760"/>
+            <a:ext cx="3362960" cy="1068705"/>
+          </a:xfrm>
+          <a:prstGeom prst="flowChartAlternateProcess">
+            <a:avLst/>
+          </a:prstGeom>
+        </p:spPr>
+        <p:style>
+          <a:lnRef idx="2">
+            <a:schemeClr val="accent1">
+              <a:shade val="50000"/>
+            </a:schemeClr>
+          </a:lnRef>
+          <a:fillRef idx="1">
+            <a:schemeClr val="accent1"/>
+          </a:fillRef>
+          <a:effectRef idx="0">
+            <a:schemeClr val="accent1"/>
+          </a:effectRef>
+          <a:fontRef idx="minor">
+            <a:schemeClr val="lt1"/>
+          </a:fontRef>
+        </p:style>
+        <p:txBody>
+          <a:bodyPr rtlCol="0" anchor="ctr"/>
+          <a:p>
+            <a:pPr algn="ctr"/>
+            <a:r>
+              <a:rPr lang="en-US" altLang="zh-CN" b="1"/>
+              <a:t>vtkRenderWindowInteractor</a:t>
+            </a:r>
+            <a:endParaRPr lang="en-US" altLang="zh-CN"/>
+          </a:p>
+          <a:p>
+            <a:pPr algn="ctr"/>
+            <a:r>
+              <a:rPr lang="en-US" altLang="zh-CN"/>
+              <a:t>- SetRenderWindow(ren_win)</a:t>
+            </a:r>
+            <a:endParaRPr lang="en-US" altLang="zh-CN"/>
+          </a:p>
+          <a:p>
+            <a:pPr algn="ctr"/>
+            <a:r>
+              <a:rPr lang="en-US" altLang="zh-CN"/>
+              <a:t>- Initialize()</a:t>
+            </a:r>
+            <a:endParaRPr lang="en-US" altLang="zh-CN"/>
+          </a:p>
+          <a:p>
+            <a:pPr algn="ctr"/>
+            <a:r>
+              <a:rPr lang="en-US" altLang="zh-CN"/>
+              <a:t>- Start()</a:t>
+            </a:r>
+            <a:endParaRPr lang="en-US" altLang="zh-CN"/>
+          </a:p>
+        </p:txBody>
+      </p:sp>
+      <p:sp>
+        <p:nvSpPr>
+          <p:cNvPr id="5" name="流程图: 可选过程 4"/>
+          <p:cNvSpPr/>
+          <p:nvPr/>
+        </p:nvSpPr>
+        <p:spPr>
+          <a:xfrm>
+            <a:off x="668655" y="2724785"/>
+            <a:ext cx="3364230" cy="1693545"/>
+          </a:xfrm>
+          <a:prstGeom prst="flowChartAlternateProcess">
+            <a:avLst/>
+          </a:prstGeom>
+        </p:spPr>
+        <p:style>
+          <a:lnRef idx="2">
+            <a:schemeClr val="accent1">
+              <a:shade val="50000"/>
+            </a:schemeClr>
+          </a:lnRef>
+          <a:fillRef idx="1">
+            <a:schemeClr val="accent1"/>
+          </a:fillRef>
+          <a:effectRef idx="0">
+            <a:schemeClr val="accent1"/>
+          </a:effectRef>
+          <a:fontRef idx="minor">
+            <a:schemeClr val="lt1"/>
+          </a:fontRef>
+        </p:style>
+        <p:txBody>
+          <a:bodyPr rtlCol="0" anchor="ctr"/>
+          <a:p>
+            <a:pPr algn="ctr"/>
+            <a:r>
+              <a:rPr lang="en-US" altLang="zh-CN" b="1"/>
+              <a:t>vtkRenderWindow</a:t>
+            </a:r>
+            <a:endParaRPr lang="en-US" altLang="zh-CN"/>
+          </a:p>
+          <a:p>
+            <a:pPr algn="ctr"/>
+            <a:r>
+              <a:rPr lang="en-US" altLang="zh-CN"/>
+              <a:t>- AddRenderer(renderer)</a:t>
+            </a:r>
+            <a:endParaRPr lang="en-US" altLang="zh-CN"/>
+          </a:p>
+          <a:p>
+            <a:pPr algn="ctr"/>
+            <a:r>
+              <a:rPr lang="en-US" altLang="zh-CN"/>
+              <a:t>- Render()</a:t>
+            </a:r>
+            <a:endParaRPr lang="en-US" altLang="zh-CN"/>
+          </a:p>
+          <a:p>
+            <a:pPr algn="ctr"/>
+            <a:r>
+              <a:rPr lang="en-US" altLang="zh-CN"/>
+              <a:t>- SetSize()</a:t>
+            </a:r>
+            <a:endParaRPr lang="en-US" altLang="zh-CN"/>
+          </a:p>
+          <a:p>
+            <a:pPr algn="ctr"/>
+            <a:r>
+              <a:rPr lang="en-US" altLang="zh-CN"/>
+              <a:t>- SetWindowName()</a:t>
+            </a:r>
+            <a:endParaRPr lang="en-US" altLang="zh-CN"/>
+          </a:p>
+          <a:p>
+            <a:pPr algn="ctr"/>
+            <a:r>
+              <a:rPr lang="en-US" altLang="zh-CN"/>
+              <a:t>- SetOffScreenRendering()</a:t>
+            </a:r>
+            <a:endParaRPr lang="en-US" altLang="zh-CN"/>
+          </a:p>
+        </p:txBody>
+      </p:sp>
+      <p:cxnSp>
+        <p:nvCxnSpPr>
+          <p:cNvPr id="6" name="直接连接符 5"/>
+          <p:cNvCxnSpPr>
+            <a:stCxn id="4" idx="2"/>
+            <a:endCxn id="5" idx="0"/>
+          </p:cNvCxnSpPr>
+          <p:nvPr/>
+        </p:nvCxnSpPr>
+        <p:spPr>
+          <a:xfrm>
+            <a:off x="2350770" y="2450465"/>
+            <a:ext cx="0" cy="274320"/>
+          </a:xfrm>
+          <a:prstGeom prst="line">
+            <a:avLst/>
+          </a:prstGeom>
+        </p:spPr>
+        <p:style>
+          <a:lnRef idx="1">
+            <a:schemeClr val="accent1"/>
+          </a:lnRef>
+          <a:fillRef idx="0">
+            <a:schemeClr val="accent1"/>
+          </a:fillRef>
+          <a:effectRef idx="0">
+            <a:schemeClr val="accent1"/>
+          </a:effectRef>
+          <a:fontRef idx="minor">
+            <a:schemeClr val="tx1"/>
+          </a:fontRef>
+        </p:style>
+      </p:cxnSp>
+      <p:sp>
+        <p:nvSpPr>
+          <p:cNvPr id="7" name="流程图: 可选过程 6"/>
+          <p:cNvSpPr/>
+          <p:nvPr/>
+        </p:nvSpPr>
+        <p:spPr>
+          <a:xfrm>
+            <a:off x="4414520" y="2450465"/>
+            <a:ext cx="3362960" cy="1851025"/>
+          </a:xfrm>
+          <a:prstGeom prst="flowChartAlternateProcess">
+            <a:avLst/>
+          </a:prstGeom>
+        </p:spPr>
+        <p:style>
+          <a:lnRef idx="2">
+            <a:schemeClr val="accent1">
+              <a:shade val="50000"/>
+            </a:schemeClr>
+          </a:lnRef>
+          <a:fillRef idx="1">
+            <a:schemeClr val="accent1"/>
+          </a:fillRef>
+          <a:effectRef idx="0">
+            <a:schemeClr val="accent1"/>
+          </a:effectRef>
+          <a:fontRef idx="minor">
+            <a:schemeClr val="lt1"/>
+          </a:fontRef>
+        </p:style>
+        <p:txBody>
+          <a:bodyPr rtlCol="0" anchor="ctr"/>
+          <a:p>
+            <a:pPr algn="ctr"/>
+            <a:r>
+              <a:rPr lang="en-US" altLang="zh-CN" b="1"/>
+              <a:t>vtkRenderer</a:t>
+            </a:r>
+            <a:endParaRPr lang="en-US" altLang="zh-CN"/>
+          </a:p>
+          <a:p>
+            <a:pPr algn="ctr"/>
+            <a:r>
+              <a:rPr lang="en-US" altLang="zh-CN"/>
+              <a:t>- AddActor(actor)</a:t>
+            </a:r>
+            <a:endParaRPr lang="en-US" altLang="zh-CN"/>
+          </a:p>
+          <a:p>
+            <a:pPr algn="ctr"/>
+            <a:r>
+              <a:rPr lang="en-US" altLang="zh-CN"/>
+              <a:t>- SetBackground(r, g, b)</a:t>
+            </a:r>
+            <a:endParaRPr lang="en-US" altLang="zh-CN"/>
+          </a:p>
+          <a:p>
+            <a:pPr algn="ctr"/>
+            <a:r>
+              <a:rPr lang="en-US" altLang="zh-CN"/>
+              <a:t>- ResetCamera()</a:t>
+            </a:r>
+            <a:endParaRPr lang="en-US" altLang="zh-CN"/>
+          </a:p>
+          <a:p>
+            <a:pPr algn="ctr"/>
+            <a:r>
+              <a:rPr lang="en-US" altLang="zh-CN"/>
+              <a:t>- GetActiveCamera()</a:t>
+            </a:r>
+            <a:endParaRPr lang="en-US" altLang="zh-CN"/>
+          </a:p>
+          <a:p>
+            <a:pPr algn="ctr"/>
+            <a:r>
+              <a:rPr lang="en-US" altLang="zh-CN"/>
+              <a:t>- AddLight(light)</a:t>
+            </a:r>
+            <a:endParaRPr lang="en-US" altLang="zh-CN"/>
+          </a:p>
+        </p:txBody>
+      </p:sp>
+      <p:cxnSp>
+        <p:nvCxnSpPr>
+          <p:cNvPr id="8" name="直接连接符 7"/>
+          <p:cNvCxnSpPr>
+            <a:stCxn id="5" idx="3"/>
+            <a:endCxn id="7" idx="1"/>
+          </p:cNvCxnSpPr>
+          <p:nvPr/>
+        </p:nvCxnSpPr>
+        <p:spPr>
+          <a:xfrm flipV="1">
+            <a:off x="4032885" y="3376295"/>
+            <a:ext cx="381635" cy="195580"/>
+          </a:xfrm>
+          <a:prstGeom prst="line">
+            <a:avLst/>
+          </a:prstGeom>
+        </p:spPr>
+        <p:style>
+          <a:lnRef idx="1">
+            <a:schemeClr val="accent1"/>
+          </a:lnRef>
+          <a:fillRef idx="0">
+            <a:schemeClr val="accent1"/>
+          </a:fillRef>
+          <a:effectRef idx="0">
+            <a:schemeClr val="accent1"/>
+          </a:effectRef>
+          <a:fontRef idx="minor">
+            <a:schemeClr val="tx1"/>
+          </a:fontRef>
+        </p:style>
+      </p:cxnSp>
+      <p:sp>
+        <p:nvSpPr>
+          <p:cNvPr id="9" name="流程图: 可选过程 8"/>
+          <p:cNvSpPr/>
+          <p:nvPr/>
+        </p:nvSpPr>
+        <p:spPr>
+          <a:xfrm>
+            <a:off x="8406130" y="1308735"/>
+            <a:ext cx="3362960" cy="2120265"/>
+          </a:xfrm>
+          <a:prstGeom prst="flowChartAlternateProcess">
+            <a:avLst/>
+          </a:prstGeom>
+        </p:spPr>
+        <p:style>
+          <a:lnRef idx="2">
+            <a:schemeClr val="accent1">
+              <a:shade val="50000"/>
+            </a:schemeClr>
+          </a:lnRef>
+          <a:fillRef idx="1">
+            <a:schemeClr val="accent1"/>
+          </a:fillRef>
+          <a:effectRef idx="0">
+            <a:schemeClr val="accent1"/>
+          </a:effectRef>
+          <a:fontRef idx="minor">
+            <a:schemeClr val="lt1"/>
+          </a:fontRef>
+        </p:style>
+        <p:txBody>
+          <a:bodyPr rtlCol="0" anchor="ctr"/>
+          <a:p>
+            <a:pPr algn="ctr"/>
+            <a:r>
+              <a:rPr lang="en-US" altLang="zh-CN" b="1"/>
+              <a:t>vtkActor</a:t>
+            </a:r>
+            <a:endParaRPr lang="en-US" altLang="zh-CN" b="1"/>
+          </a:p>
+          <a:p>
+            <a:pPr algn="ctr"/>
+            <a:r>
+              <a:rPr lang="en-US" altLang="zh-CN"/>
+              <a:t>- SetMapper(mapper)</a:t>
+            </a:r>
+            <a:endParaRPr lang="en-US" altLang="zh-CN"/>
+          </a:p>
+          <a:p>
+            <a:pPr algn="ctr"/>
+            <a:r>
+              <a:rPr lang="en-US" altLang="zh-CN"/>
+              <a:t>- SetTexture(tex)</a:t>
+            </a:r>
+            <a:endParaRPr lang="en-US" altLang="zh-CN"/>
+          </a:p>
+          <a:p>
+            <a:pPr algn="ctr"/>
+            <a:r>
+              <a:rPr lang="en-US" altLang="zh-CN"/>
+              <a:t>- SetPosition(x, y, z)</a:t>
+            </a:r>
+            <a:endParaRPr lang="en-US" altLang="zh-CN"/>
+          </a:p>
+          <a:p>
+            <a:pPr algn="ctr"/>
+            <a:r>
+              <a:rPr lang="en-US" altLang="zh-CN"/>
+              <a:t>- RotateX(degree)</a:t>
+            </a:r>
+            <a:endParaRPr lang="en-US" altLang="zh-CN"/>
+          </a:p>
+          <a:p>
+            <a:pPr algn="ctr"/>
+            <a:r>
+              <a:rPr lang="en-US" altLang="zh-CN"/>
+              <a:t>- RotateY(degree)</a:t>
+            </a:r>
+            <a:endParaRPr lang="en-US" altLang="zh-CN"/>
+          </a:p>
+          <a:p>
+            <a:pPr algn="ctr"/>
+            <a:r>
+              <a:rPr lang="en-US" altLang="zh-CN"/>
+              <a:t>- RotateZ(degree)</a:t>
+            </a:r>
+            <a:endParaRPr lang="en-US" altLang="zh-CN"/>
+          </a:p>
+          <a:p>
+            <a:pPr algn="ctr"/>
+            <a:r>
+              <a:rPr lang="en-US" altLang="zh-CN"/>
+              <a:t>- GetProperty()</a:t>
+            </a:r>
+            <a:endParaRPr lang="en-US" altLang="zh-CN"/>
+          </a:p>
+        </p:txBody>
+      </p:sp>
+      <p:sp>
+        <p:nvSpPr>
+          <p:cNvPr id="10" name="流程图: 可选过程 9"/>
+          <p:cNvSpPr/>
+          <p:nvPr/>
+        </p:nvSpPr>
+        <p:spPr>
+          <a:xfrm>
+            <a:off x="8406130" y="3747770"/>
+            <a:ext cx="3362960" cy="1211580"/>
+          </a:xfrm>
+          <a:prstGeom prst="flowChartAlternateProcess">
+            <a:avLst/>
+          </a:prstGeom>
+        </p:spPr>
+        <p:style>
+          <a:lnRef idx="2">
+            <a:schemeClr val="accent1">
+              <a:shade val="50000"/>
+            </a:schemeClr>
+          </a:lnRef>
+          <a:fillRef idx="1">
+            <a:schemeClr val="accent1"/>
+          </a:fillRef>
+          <a:effectRef idx="0">
+            <a:schemeClr val="accent1"/>
+          </a:effectRef>
+          <a:fontRef idx="minor">
+            <a:schemeClr val="lt1"/>
+          </a:fontRef>
+        </p:style>
+        <p:txBody>
+          <a:bodyPr rtlCol="0" anchor="ctr"/>
+          <a:p>
+            <a:pPr algn="ctr"/>
+            <a:r>
+              <a:rPr lang="en-US" altLang="zh-CN" b="1"/>
+              <a:t>vtkPolyDataMapper</a:t>
+            </a:r>
+            <a:endParaRPr lang="en-US" altLang="zh-CN" b="1"/>
+          </a:p>
+          <a:p>
+            <a:pPr algn="ctr"/>
+            <a:r>
+              <a:rPr lang="en-US" altLang="zh-CN"/>
+              <a:t>- SetInputConnection(conn)</a:t>
+            </a:r>
+            <a:endParaRPr lang="en-US" altLang="zh-CN"/>
+          </a:p>
+        </p:txBody>
+      </p:sp>
+      <p:sp>
+        <p:nvSpPr>
+          <p:cNvPr id="11" name="流程图: 可选过程 10"/>
+          <p:cNvSpPr/>
+          <p:nvPr/>
+        </p:nvSpPr>
+        <p:spPr>
+          <a:xfrm>
+            <a:off x="8406130" y="5247005"/>
+            <a:ext cx="3362960" cy="507365"/>
+          </a:xfrm>
+          <a:prstGeom prst="flowChartAlternateProcess">
+            <a:avLst/>
+          </a:prstGeom>
+        </p:spPr>
+        <p:style>
+          <a:lnRef idx="2">
+            <a:schemeClr val="accent1">
+              <a:shade val="50000"/>
+            </a:schemeClr>
+          </a:lnRef>
+          <a:fillRef idx="1">
+            <a:schemeClr val="accent1"/>
+          </a:fillRef>
+          <a:effectRef idx="0">
+            <a:schemeClr val="accent1"/>
+          </a:effectRef>
+          <a:fontRef idx="minor">
+            <a:schemeClr val="lt1"/>
+          </a:fontRef>
+        </p:style>
+        <p:txBody>
+          <a:bodyPr rtlCol="0" anchor="ctr"/>
+          <a:p>
+            <a:pPr algn="ctr"/>
+            <a:r>
+              <a:rPr lang="en-US" altLang="zh-CN" b="1"/>
+              <a:t>vtkCylinderSource</a:t>
+            </a:r>
+            <a:endParaRPr lang="en-US" altLang="zh-CN"/>
+          </a:p>
+        </p:txBody>
+      </p:sp>
+      <p:cxnSp>
+        <p:nvCxnSpPr>
+          <p:cNvPr id="12" name="肘形连接符 11"/>
+          <p:cNvCxnSpPr>
+            <a:stCxn id="7" idx="3"/>
+            <a:endCxn id="9" idx="1"/>
+          </p:cNvCxnSpPr>
+          <p:nvPr/>
+        </p:nvCxnSpPr>
+        <p:spPr>
+          <a:xfrm flipV="1">
+            <a:off x="7777480" y="2369185"/>
+            <a:ext cx="628650" cy="1007110"/>
+          </a:xfrm>
+          <a:prstGeom prst="bentConnector3">
+            <a:avLst>
+              <a:gd name="adj1" fmla="val 50000"/>
+            </a:avLst>
+          </a:prstGeom>
+        </p:spPr>
+        <p:style>
+          <a:lnRef idx="1">
+            <a:schemeClr val="accent1"/>
+          </a:lnRef>
+          <a:fillRef idx="0">
+            <a:schemeClr val="accent1"/>
+          </a:fillRef>
+          <a:effectRef idx="0">
+            <a:schemeClr val="accent1"/>
+          </a:effectRef>
+          <a:fontRef idx="minor">
+            <a:schemeClr val="tx1"/>
+          </a:fontRef>
+        </p:style>
+      </p:cxnSp>
+      <p:cxnSp>
+        <p:nvCxnSpPr>
+          <p:cNvPr id="13" name="直接箭头连接符 12"/>
+          <p:cNvCxnSpPr>
+            <a:stCxn id="9" idx="2"/>
+            <a:endCxn id="10" idx="0"/>
+          </p:cNvCxnSpPr>
+          <p:nvPr/>
+        </p:nvCxnSpPr>
+        <p:spPr>
+          <a:xfrm>
+            <a:off x="10087610" y="3429000"/>
+            <a:ext cx="0" cy="318770"/>
+          </a:xfrm>
+          <a:prstGeom prst="straightConnector1">
+            <a:avLst/>
+          </a:prstGeom>
+        </p:spPr>
+        <p:style>
+          <a:lnRef idx="1">
+            <a:schemeClr val="accent1"/>
+          </a:lnRef>
+          <a:fillRef idx="0">
+            <a:schemeClr val="accent1"/>
+          </a:fillRef>
+          <a:effectRef idx="0">
+            <a:schemeClr val="accent1"/>
+          </a:effectRef>
+          <a:fontRef idx="minor">
+            <a:schemeClr val="tx1"/>
+          </a:fontRef>
+        </p:style>
+      </p:cxnSp>
+      <p:cxnSp>
+        <p:nvCxnSpPr>
+          <p:cNvPr id="14" name="直接连接符 13"/>
+          <p:cNvCxnSpPr>
+            <a:stCxn id="10" idx="2"/>
+            <a:endCxn id="11" idx="0"/>
+          </p:cNvCxnSpPr>
+          <p:nvPr/>
+        </p:nvCxnSpPr>
+        <p:spPr>
+          <a:xfrm>
+            <a:off x="10087610" y="4959350"/>
+            <a:ext cx="0" cy="287655"/>
+          </a:xfrm>
+          <a:prstGeom prst="line">
+            <a:avLst/>
+          </a:prstGeom>
+        </p:spPr>
+        <p:style>
+          <a:lnRef idx="1">
+            <a:schemeClr val="accent1"/>
+          </a:lnRef>
+          <a:fillRef idx="0">
+            <a:schemeClr val="accent1"/>
+          </a:fillRef>
+          <a:effectRef idx="0">
+            <a:schemeClr val="accent1"/>
+          </a:effectRef>
+          <a:fontRef idx="minor">
+            <a:schemeClr val="tx1"/>
+          </a:fontRef>
+        </p:style>
+      </p:cxnSp>
+      <p:sp>
+        <p:nvSpPr>
+          <p:cNvPr id="15" name="圆角矩形 14"/>
+          <p:cNvSpPr/>
+          <p:nvPr/>
+        </p:nvSpPr>
+        <p:spPr>
+          <a:xfrm>
+            <a:off x="4505960" y="4562475"/>
+            <a:ext cx="3179445" cy="1877060"/>
+          </a:xfrm>
+          <a:prstGeom prst="roundRect">
+            <a:avLst/>
+          </a:prstGeom>
+        </p:spPr>
+        <p:style>
+          <a:lnRef idx="2">
+            <a:schemeClr val="accent1">
+              <a:shade val="50000"/>
+            </a:schemeClr>
+          </a:lnRef>
+          <a:fillRef idx="1">
+            <a:schemeClr val="accent1"/>
+          </a:fillRef>
+          <a:effectRef idx="0">
+            <a:schemeClr val="accent1"/>
+          </a:effectRef>
+          <a:fontRef idx="minor">
+            <a:schemeClr val="lt1"/>
+          </a:fontRef>
+        </p:style>
+        <p:txBody>
+          <a:bodyPr rtlCol="0" anchor="ctr"/>
+          <a:p>
+            <a:pPr algn="ctr"/>
+            <a:r>
+              <a:rPr lang="en-US" altLang="zh-CN" b="1"/>
+              <a:t>vtkCamera</a:t>
+            </a:r>
+            <a:endParaRPr lang="en-US" altLang="zh-CN" b="1"/>
+          </a:p>
+          <a:p>
+            <a:pPr algn="ctr"/>
+            <a:r>
+              <a:rPr lang="en-US" altLang="zh-CN"/>
+              <a:t>- SetClippingRange (dnear, dfar)</a:t>
+            </a:r>
+            <a:endParaRPr lang="en-US" altLang="zh-CN"/>
+          </a:p>
+          <a:p>
+            <a:pPr algn="ctr"/>
+            <a:r>
+              <a:rPr lang="en-US" altLang="zh-CN"/>
+              <a:t>- SetFocalPoint (x, y, z)</a:t>
+            </a:r>
+            <a:endParaRPr lang="en-US" altLang="zh-CN"/>
+          </a:p>
+          <a:p>
+            <a:pPr algn="ctr"/>
+            <a:r>
+              <a:rPr lang="en-US" altLang="zh-CN"/>
+              <a:t>- SetPosition (x, y, z)</a:t>
+            </a:r>
+            <a:endParaRPr lang="en-US" altLang="zh-CN"/>
+          </a:p>
+          <a:p>
+            <a:pPr algn="ctr"/>
+            <a:r>
+              <a:rPr lang="en-US" altLang="zh-CN"/>
+              <a:t>- SetViewUp (x, y, z)</a:t>
+            </a:r>
+            <a:endParaRPr lang="en-US" altLang="zh-CN"/>
+          </a:p>
+        </p:txBody>
+      </p:sp>
+      <p:sp>
+        <p:nvSpPr>
+          <p:cNvPr id="16" name="圆角矩形 15"/>
+          <p:cNvSpPr/>
+          <p:nvPr/>
+        </p:nvSpPr>
+        <p:spPr>
+          <a:xfrm>
+            <a:off x="838200" y="4959350"/>
+            <a:ext cx="3023870" cy="1160145"/>
+          </a:xfrm>
+          <a:prstGeom prst="roundRect">
+            <a:avLst/>
+          </a:prstGeom>
+        </p:spPr>
+        <p:style>
+          <a:lnRef idx="2">
+            <a:schemeClr val="accent1">
+              <a:shade val="50000"/>
+            </a:schemeClr>
+          </a:lnRef>
+          <a:fillRef idx="1">
+            <a:schemeClr val="accent1"/>
+          </a:fillRef>
+          <a:effectRef idx="0">
+            <a:schemeClr val="accent1"/>
+          </a:effectRef>
+          <a:fontRef idx="minor">
+            <a:schemeClr val="lt1"/>
+          </a:fontRef>
+        </p:style>
+        <p:txBody>
+          <a:bodyPr rtlCol="0" anchor="ctr"/>
+          <a:p>
+            <a:pPr algn="ctr"/>
+            <a:r>
+              <a:rPr lang="en-US" altLang="zh-CN" b="1"/>
+              <a:t>vtkLight</a:t>
+            </a:r>
+            <a:endParaRPr lang="en-US" altLang="zh-CN" b="1"/>
+          </a:p>
+          <a:p>
+            <a:pPr algn="ctr"/>
+            <a:r>
+              <a:rPr lang="en-US" altLang="zh-CN"/>
+              <a:t>- SetColor(r, g, b)</a:t>
+            </a:r>
+            <a:endParaRPr lang="en-US" altLang="zh-CN"/>
+          </a:p>
+          <a:p>
+            <a:pPr algn="ctr"/>
+            <a:r>
+              <a:rPr lang="en-US" altLang="zh-CN"/>
+              <a:t>- SetFocalPoint(x, y, z)</a:t>
+            </a:r>
+            <a:endParaRPr lang="en-US" altLang="zh-CN"/>
+          </a:p>
+          <a:p>
+            <a:pPr algn="ctr"/>
+            <a:r>
+              <a:rPr lang="en-US" altLang="zh-CN"/>
+              <a:t>- SetPosition(x, y, z)</a:t>
+            </a:r>
+            <a:endParaRPr lang="en-US" altLang="zh-CN"/>
+          </a:p>
+        </p:txBody>
+      </p:sp>
+      <p:cxnSp>
+        <p:nvCxnSpPr>
+          <p:cNvPr id="17" name="直接连接符 16"/>
+          <p:cNvCxnSpPr>
+            <a:stCxn id="16" idx="3"/>
+            <a:endCxn id="7" idx="1"/>
+          </p:cNvCxnSpPr>
+          <p:nvPr/>
+        </p:nvCxnSpPr>
+        <p:spPr>
+          <a:xfrm flipV="1">
+            <a:off x="3862070" y="3376295"/>
+            <a:ext cx="552450" cy="2163445"/>
+          </a:xfrm>
+          <a:prstGeom prst="line">
+            <a:avLst/>
+          </a:prstGeom>
+        </p:spPr>
+        <p:style>
+          <a:lnRef idx="1">
+            <a:schemeClr val="accent1"/>
+          </a:lnRef>
+          <a:fillRef idx="0">
+            <a:schemeClr val="accent1"/>
+          </a:fillRef>
+          <a:effectRef idx="0">
+            <a:schemeClr val="accent1"/>
+          </a:effectRef>
+          <a:fontRef idx="minor">
+            <a:schemeClr val="tx1"/>
+          </a:fontRef>
+        </p:style>
+      </p:cxnSp>
+      <p:cxnSp>
+        <p:nvCxnSpPr>
+          <p:cNvPr id="18" name="直接连接符 17"/>
+          <p:cNvCxnSpPr>
+            <a:stCxn id="7" idx="2"/>
+            <a:endCxn id="15" idx="0"/>
+          </p:cNvCxnSpPr>
+          <p:nvPr/>
+        </p:nvCxnSpPr>
+        <p:spPr>
+          <a:xfrm>
+            <a:off x="6096000" y="4301490"/>
+            <a:ext cx="0" cy="260985"/>
+          </a:xfrm>
+          <a:prstGeom prst="line">
+            <a:avLst/>
+          </a:prstGeom>
+        </p:spPr>
+        <p:style>
+          <a:lnRef idx="1">
+            <a:schemeClr val="accent1"/>
+          </a:lnRef>
+          <a:fillRef idx="0">
+            <a:schemeClr val="accent1"/>
+          </a:fillRef>
+          <a:effectRef idx="0">
+            <a:schemeClr val="accent1"/>
+          </a:effectRef>
+          <a:fontRef idx="minor">
+            <a:schemeClr val="tx1"/>
+          </a:fontRef>
+        </p:style>
+      </p:cxnSp>
+      <p:sp>
+        <p:nvSpPr>
+          <p:cNvPr id="19" name="圆角矩形 18"/>
+          <p:cNvSpPr/>
+          <p:nvPr/>
+        </p:nvSpPr>
+        <p:spPr>
+          <a:xfrm>
+            <a:off x="4528820" y="1381760"/>
+            <a:ext cx="3090545" cy="808355"/>
+          </a:xfrm>
+          <a:prstGeom prst="roundRect">
+            <a:avLst/>
+          </a:prstGeom>
+        </p:spPr>
+        <p:style>
+          <a:lnRef idx="2">
+            <a:schemeClr val="accent1">
+              <a:shade val="50000"/>
+            </a:schemeClr>
+          </a:lnRef>
+          <a:fillRef idx="1">
+            <a:schemeClr val="accent1"/>
+          </a:fillRef>
+          <a:effectRef idx="0">
+            <a:schemeClr val="accent1"/>
+          </a:effectRef>
+          <a:fontRef idx="minor">
+            <a:schemeClr val="lt1"/>
+          </a:fontRef>
+        </p:style>
+        <p:txBody>
+          <a:bodyPr rtlCol="0" anchor="ctr"/>
+          <a:p>
+            <a:pPr algn="ctr"/>
+            <a:r>
+              <a:rPr lang="en-US" altLang="zh-CN" b="1"/>
+              <a:t>vtkAlgorithm</a:t>
+            </a:r>
+            <a:endParaRPr lang="en-US" altLang="zh-CN"/>
+          </a:p>
+          <a:p>
+            <a:pPr algn="ctr"/>
+            <a:r>
+              <a:rPr lang="en-US" altLang="zh-CN"/>
+              <a:t>- SetInputConnection(conn)</a:t>
+            </a:r>
+            <a:endParaRPr lang="en-US" altLang="zh-CN"/>
+          </a:p>
+          <a:p>
+            <a:pPr algn="ctr"/>
+            <a:r>
+              <a:rPr lang="en-US" altLang="zh-CN"/>
+              <a:t>- GetOutputPort()</a:t>
+            </a:r>
+            <a:endParaRPr lang="en-US" altLang="zh-CN"/>
+          </a:p>
+        </p:txBody>
+      </p:sp>
+      <p:cxnSp>
+        <p:nvCxnSpPr>
+          <p:cNvPr id="20" name="直接连接符 19"/>
+          <p:cNvCxnSpPr>
+            <a:stCxn id="19" idx="2"/>
+            <a:endCxn id="7" idx="0"/>
+          </p:cNvCxnSpPr>
+          <p:nvPr/>
+        </p:nvCxnSpPr>
+        <p:spPr>
+          <a:xfrm>
+            <a:off x="6074410" y="2190115"/>
+            <a:ext cx="21590" cy="260350"/>
+          </a:xfrm>
+          <a:prstGeom prst="line">
+            <a:avLst/>
+          </a:prstGeom>
+        </p:spPr>
+        <p:style>
+          <a:lnRef idx="1">
+            <a:schemeClr val="accent1"/>
+          </a:lnRef>
+          <a:fillRef idx="0">
+            <a:schemeClr val="accent1"/>
+          </a:fillRef>
+          <a:effectRef idx="0">
+            <a:schemeClr val="accent1"/>
+          </a:effectRef>
+          <a:fontRef idx="minor">
+            <a:schemeClr val="tx1"/>
+          </a:fontRef>
+        </p:style>
+      </p:cxnSp>
+    </p:spTree>
+    <p:custDataLst>
+      <p:tags r:id="rId1"/>
+    </p:custDataLst>
+  </p:cSld>
+  <p:clrMapOvr>
+    <a:masterClrMapping/>
+  </p:clrMapOvr>
+</p:sld>
+</file>
+
+<file path=ppt/slides/slide6.xml><?xml version="1.0" encoding="utf-8"?>
+<p:sld xmlns:a="http://schemas.openxmlformats.org/drawingml/2006/main" xmlns:r="http://schemas.openxmlformats.org/officeDocument/2006/relationships" xmlns:p="http://schemas.openxmlformats.org/presentationml/2006/main">
+  <p:cSld>
+    <p:spTree>
+      <p:nvGrpSpPr>
+        <p:cNvPr id="1" name=""/>
+        <p:cNvGrpSpPr/>
+        <p:nvPr/>
+      </p:nvGrpSpPr>
+      <p:grpSpPr/>
+      <p:sp>
+        <p:nvSpPr>
+          <p:cNvPr id="2" name="标题 1"/>
+          <p:cNvSpPr>
+            <a:spLocks noGrp="1"/>
+          </p:cNvSpPr>
+          <p:nvPr>
+            <p:ph type="title"/>
+          </p:nvPr>
+        </p:nvSpPr>
+        <p:spPr/>
+        <p:txBody>
+          <a:bodyPr/>
+          <a:p>
+            <a:r>
+              <a:rPr lang="en-US" altLang="zh-CN"/>
+              <a:t>Reader</a:t>
+            </a:r>
+            <a:endParaRPr lang="en-US" altLang="zh-CN"/>
+          </a:p>
+        </p:txBody>
+      </p:sp>
+      <p:sp>
+        <p:nvSpPr>
+          <p:cNvPr id="4" name="圆角矩形 3"/>
+          <p:cNvSpPr/>
+          <p:nvPr/>
+        </p:nvSpPr>
+        <p:spPr>
+          <a:xfrm>
+            <a:off x="9618980" y="5918200"/>
+            <a:ext cx="2282190" cy="600075"/>
+          </a:xfrm>
+          <a:prstGeom prst="roundRect">
+            <a:avLst/>
+          </a:prstGeom>
+        </p:spPr>
+        <p:style>
+          <a:lnRef idx="2">
+            <a:schemeClr val="accent1">
+              <a:shade val="50000"/>
+            </a:schemeClr>
+          </a:lnRef>
+          <a:fillRef idx="1">
+            <a:schemeClr val="accent1"/>
+          </a:fillRef>
+          <a:effectRef idx="0">
+            <a:schemeClr val="accent1"/>
+          </a:effectRef>
+          <a:fontRef idx="minor">
+            <a:schemeClr val="lt1"/>
+          </a:fontRef>
+        </p:style>
+        <p:txBody>
+          <a:bodyPr rtlCol="0" anchor="ctr"/>
+          <a:p>
+            <a:pPr algn="ctr"/>
+            <a:r>
+              <a:rPr lang="en-US" altLang="zh-CN" b="1"/>
+              <a:t>vtkPLYReader</a:t>
+            </a:r>
+            <a:endParaRPr lang="en-US" altLang="zh-CN" b="1"/>
+          </a:p>
+        </p:txBody>
+      </p:sp>
+      <p:sp>
+        <p:nvSpPr>
+          <p:cNvPr id="5" name="圆角矩形 4"/>
+          <p:cNvSpPr/>
+          <p:nvPr/>
+        </p:nvSpPr>
+        <p:spPr>
+          <a:xfrm>
+            <a:off x="6584950" y="4914265"/>
+            <a:ext cx="2529205" cy="1146810"/>
+          </a:xfrm>
+          <a:prstGeom prst="roundRect">
+            <a:avLst/>
+          </a:prstGeom>
+        </p:spPr>
+        <p:style>
+          <a:lnRef idx="2">
+            <a:schemeClr val="accent1">
+              <a:shade val="50000"/>
+            </a:schemeClr>
+          </a:lnRef>
+          <a:fillRef idx="1">
+            <a:schemeClr val="accent1"/>
+          </a:fillRef>
+          <a:effectRef idx="0">
+            <a:schemeClr val="accent1"/>
+          </a:effectRef>
+          <a:fontRef idx="minor">
+            <a:schemeClr val="lt1"/>
+          </a:fontRef>
+        </p:style>
+        <p:txBody>
+          <a:bodyPr rtlCol="0" anchor="ctr"/>
+          <a:p>
+            <a:pPr algn="ctr"/>
+            <a:r>
+              <a:rPr lang="en-US" altLang="zh-CN" b="1"/>
+              <a:t>vtkPoly</a:t>
+            </a:r>
+            <a:r>
+              <a:rPr lang="en-US" altLang="zh-CN" b="1"/>
+              <a:t>DataReader</a:t>
+            </a:r>
+            <a:endParaRPr lang="en-US" altLang="zh-CN" b="1"/>
+          </a:p>
+          <a:p>
+            <a:pPr algn="ctr"/>
+            <a:r>
+              <a:rPr lang="en-US" altLang="zh-CN">
+                <a:sym typeface="+mn-ea"/>
+              </a:rPr>
+              <a:t>- GetOutput()</a:t>
+            </a:r>
+            <a:endParaRPr lang="en-US" altLang="zh-CN"/>
+          </a:p>
+        </p:txBody>
+      </p:sp>
+      <p:sp>
+        <p:nvSpPr>
+          <p:cNvPr id="6" name="圆角矩形 5"/>
+          <p:cNvSpPr/>
+          <p:nvPr/>
+        </p:nvSpPr>
+        <p:spPr>
+          <a:xfrm>
+            <a:off x="9626600" y="5187315"/>
+            <a:ext cx="2282190" cy="600075"/>
+          </a:xfrm>
+          <a:prstGeom prst="roundRect">
+            <a:avLst/>
+          </a:prstGeom>
+        </p:spPr>
+        <p:style>
+          <a:lnRef idx="2">
+            <a:schemeClr val="accent1">
+              <a:shade val="50000"/>
+            </a:schemeClr>
+          </a:lnRef>
+          <a:fillRef idx="1">
+            <a:schemeClr val="accent1"/>
+          </a:fillRef>
+          <a:effectRef idx="0">
+            <a:schemeClr val="accent1"/>
+          </a:effectRef>
+          <a:fontRef idx="minor">
+            <a:schemeClr val="lt1"/>
+          </a:fontRef>
+        </p:style>
+        <p:txBody>
+          <a:bodyPr rtlCol="0" anchor="ctr"/>
+          <a:p>
+            <a:pPr algn="ctr"/>
+            <a:r>
+              <a:rPr lang="en-US" altLang="zh-CN" b="1"/>
+              <a:t>vtkOBJ</a:t>
+            </a:r>
+            <a:r>
+              <a:rPr lang="en-US" altLang="zh-CN" b="1"/>
+              <a:t>Reader</a:t>
+            </a:r>
+            <a:endParaRPr lang="en-US" altLang="zh-CN" b="1"/>
+          </a:p>
+        </p:txBody>
+      </p:sp>
+      <p:sp>
+        <p:nvSpPr>
+          <p:cNvPr id="7" name="圆角矩形 6"/>
+          <p:cNvSpPr/>
+          <p:nvPr/>
+        </p:nvSpPr>
+        <p:spPr>
+          <a:xfrm>
+            <a:off x="9618980" y="4458335"/>
+            <a:ext cx="2282190" cy="600075"/>
+          </a:xfrm>
+          <a:prstGeom prst="roundRect">
+            <a:avLst/>
+          </a:prstGeom>
+        </p:spPr>
+        <p:style>
+          <a:lnRef idx="2">
+            <a:schemeClr val="accent1">
+              <a:shade val="50000"/>
+            </a:schemeClr>
+          </a:lnRef>
+          <a:fillRef idx="1">
+            <a:schemeClr val="accent1"/>
+          </a:fillRef>
+          <a:effectRef idx="0">
+            <a:schemeClr val="accent1"/>
+          </a:effectRef>
+          <a:fontRef idx="minor">
+            <a:schemeClr val="lt1"/>
+          </a:fontRef>
+        </p:style>
+        <p:txBody>
+          <a:bodyPr rtlCol="0" anchor="ctr"/>
+          <a:p>
+            <a:pPr algn="ctr"/>
+            <a:r>
+              <a:rPr lang="en-US" altLang="zh-CN" b="1"/>
+              <a:t>vtkSTLReader</a:t>
+            </a:r>
+            <a:endParaRPr lang="en-US" altLang="zh-CN" b="1"/>
+          </a:p>
+        </p:txBody>
+      </p:sp>
+      <p:cxnSp>
+        <p:nvCxnSpPr>
+          <p:cNvPr id="8" name="直接箭头连接符 7"/>
+          <p:cNvCxnSpPr>
+            <a:stCxn id="5" idx="3"/>
+            <a:endCxn id="4" idx="1"/>
+          </p:cNvCxnSpPr>
+          <p:nvPr/>
+        </p:nvCxnSpPr>
+        <p:spPr>
+          <a:xfrm>
+            <a:off x="9114155" y="5487670"/>
+            <a:ext cx="504825" cy="730885"/>
+          </a:xfrm>
+          <a:prstGeom prst="straightConnector1">
+            <a:avLst/>
+          </a:prstGeom>
+          <a:ln>
+            <a:tailEnd type="arrow"/>
+          </a:ln>
+        </p:spPr>
+        <p:style>
+          <a:lnRef idx="1">
+            <a:schemeClr val="accent1"/>
+          </a:lnRef>
+          <a:fillRef idx="0">
+            <a:schemeClr val="accent1"/>
+          </a:fillRef>
+          <a:effectRef idx="0">
+            <a:schemeClr val="accent1"/>
+          </a:effectRef>
+          <a:fontRef idx="minor">
+            <a:schemeClr val="tx1"/>
+          </a:fontRef>
+        </p:style>
+      </p:cxnSp>
+      <p:cxnSp>
+        <p:nvCxnSpPr>
+          <p:cNvPr id="9" name="直接箭头连接符 8"/>
+          <p:cNvCxnSpPr>
+            <a:stCxn id="5" idx="3"/>
+            <a:endCxn id="6" idx="1"/>
+          </p:cNvCxnSpPr>
+          <p:nvPr/>
+        </p:nvCxnSpPr>
+        <p:spPr>
+          <a:xfrm>
+            <a:off x="9114155" y="5487670"/>
+            <a:ext cx="512445" cy="0"/>
+          </a:xfrm>
+          <a:prstGeom prst="straightConnector1">
+            <a:avLst/>
+          </a:prstGeom>
+          <a:ln>
+            <a:tailEnd type="arrow"/>
+          </a:ln>
+        </p:spPr>
+        <p:style>
+          <a:lnRef idx="1">
+            <a:schemeClr val="accent1"/>
+          </a:lnRef>
+          <a:fillRef idx="0">
+            <a:schemeClr val="accent1"/>
+          </a:fillRef>
+          <a:effectRef idx="0">
+            <a:schemeClr val="accent1"/>
+          </a:effectRef>
+          <a:fontRef idx="minor">
+            <a:schemeClr val="tx1"/>
+          </a:fontRef>
+        </p:style>
+      </p:cxnSp>
+      <p:cxnSp>
+        <p:nvCxnSpPr>
+          <p:cNvPr id="10" name="直接箭头连接符 9"/>
+          <p:cNvCxnSpPr>
+            <a:stCxn id="5" idx="3"/>
+            <a:endCxn id="7" idx="1"/>
+          </p:cNvCxnSpPr>
+          <p:nvPr/>
+        </p:nvCxnSpPr>
+        <p:spPr>
+          <a:xfrm flipV="1">
+            <a:off x="9114155" y="4758690"/>
+            <a:ext cx="504825" cy="728980"/>
+          </a:xfrm>
+          <a:prstGeom prst="straightConnector1">
+            <a:avLst/>
+          </a:prstGeom>
+          <a:ln>
+            <a:tailEnd type="arrow"/>
+          </a:ln>
+        </p:spPr>
+        <p:style>
+          <a:lnRef idx="1">
+            <a:schemeClr val="accent1"/>
+          </a:lnRef>
+          <a:fillRef idx="0">
+            <a:schemeClr val="accent1"/>
+          </a:fillRef>
+          <a:effectRef idx="0">
+            <a:schemeClr val="accent1"/>
+          </a:effectRef>
+          <a:fontRef idx="minor">
+            <a:schemeClr val="tx1"/>
+          </a:fontRef>
+        </p:style>
+      </p:cxnSp>
+      <p:sp>
+        <p:nvSpPr>
+          <p:cNvPr id="13" name="圆角矩形 12"/>
+          <p:cNvSpPr/>
+          <p:nvPr/>
+        </p:nvSpPr>
+        <p:spPr>
+          <a:xfrm>
+            <a:off x="1408430" y="1721485"/>
+            <a:ext cx="2282190" cy="638810"/>
+          </a:xfrm>
+          <a:prstGeom prst="roundRect">
+            <a:avLst/>
+          </a:prstGeom>
+        </p:spPr>
+        <p:style>
+          <a:lnRef idx="2">
+            <a:schemeClr val="accent1">
+              <a:shade val="50000"/>
+            </a:schemeClr>
+          </a:lnRef>
+          <a:fillRef idx="1">
+            <a:schemeClr val="accent1"/>
+          </a:fillRef>
+          <a:effectRef idx="0">
+            <a:schemeClr val="accent1"/>
+          </a:effectRef>
+          <a:fontRef idx="minor">
+            <a:schemeClr val="lt1"/>
+          </a:fontRef>
+        </p:style>
+        <p:txBody>
+          <a:bodyPr rtlCol="0" anchor="ctr"/>
+          <a:p>
+            <a:pPr algn="ctr"/>
+            <a:r>
+              <a:rPr lang="en-US" altLang="zh-CN" b="1"/>
+              <a:t>vtkImageReader2</a:t>
+            </a:r>
+            <a:endParaRPr lang="en-US" altLang="zh-CN"/>
+          </a:p>
+        </p:txBody>
+      </p:sp>
+      <p:sp>
+        <p:nvSpPr>
+          <p:cNvPr id="14" name="圆角矩形 13"/>
+          <p:cNvSpPr/>
+          <p:nvPr/>
+        </p:nvSpPr>
+        <p:spPr>
+          <a:xfrm>
+            <a:off x="4081145" y="1249680"/>
+            <a:ext cx="2282190" cy="638810"/>
+          </a:xfrm>
+          <a:prstGeom prst="roundRect">
+            <a:avLst/>
+          </a:prstGeom>
+        </p:spPr>
+        <p:style>
+          <a:lnRef idx="2">
+            <a:schemeClr val="accent1">
+              <a:shade val="50000"/>
+            </a:schemeClr>
+          </a:lnRef>
+          <a:fillRef idx="1">
+            <a:schemeClr val="accent1"/>
+          </a:fillRef>
+          <a:effectRef idx="0">
+            <a:schemeClr val="accent1"/>
+          </a:effectRef>
+          <a:fontRef idx="minor">
+            <a:schemeClr val="lt1"/>
+          </a:fontRef>
+        </p:style>
+        <p:txBody>
+          <a:bodyPr rtlCol="0" anchor="ctr"/>
+          <a:p>
+            <a:pPr algn="ctr"/>
+            <a:r>
+              <a:rPr lang="en-US" altLang="zh-CN" b="1"/>
+              <a:t>vtkJPEGReader</a:t>
+            </a:r>
+            <a:endParaRPr lang="en-US" altLang="zh-CN"/>
+          </a:p>
+        </p:txBody>
+      </p:sp>
+      <p:cxnSp>
+        <p:nvCxnSpPr>
+          <p:cNvPr id="18" name="直接箭头连接符 17"/>
+          <p:cNvCxnSpPr>
+            <a:stCxn id="13" idx="3"/>
+            <a:endCxn id="14" idx="1"/>
+          </p:cNvCxnSpPr>
+          <p:nvPr/>
+        </p:nvCxnSpPr>
+        <p:spPr>
+          <a:xfrm flipV="1">
+            <a:off x="3690620" y="1569085"/>
+            <a:ext cx="390525" cy="471805"/>
+          </a:xfrm>
+          <a:prstGeom prst="straightConnector1">
+            <a:avLst/>
+          </a:prstGeom>
+          <a:ln>
+            <a:tailEnd type="arrow"/>
+          </a:ln>
+        </p:spPr>
+        <p:style>
+          <a:lnRef idx="1">
+            <a:schemeClr val="accent1"/>
+          </a:lnRef>
+          <a:fillRef idx="0">
+            <a:schemeClr val="accent1"/>
+          </a:fillRef>
+          <a:effectRef idx="0">
+            <a:schemeClr val="accent1"/>
+          </a:effectRef>
+          <a:fontRef idx="minor">
+            <a:schemeClr val="tx1"/>
+          </a:fontRef>
+        </p:style>
+      </p:cxnSp>
+      <p:sp>
+        <p:nvSpPr>
+          <p:cNvPr id="19" name="圆角矩形 18"/>
+          <p:cNvSpPr/>
+          <p:nvPr/>
+        </p:nvSpPr>
+        <p:spPr>
+          <a:xfrm>
+            <a:off x="4081145" y="2078990"/>
+            <a:ext cx="2282190" cy="638810"/>
+          </a:xfrm>
+          <a:prstGeom prst="roundRect">
+            <a:avLst/>
+          </a:prstGeom>
+        </p:spPr>
+        <p:style>
+          <a:lnRef idx="2">
+            <a:schemeClr val="accent1">
+              <a:shade val="50000"/>
+            </a:schemeClr>
+          </a:lnRef>
+          <a:fillRef idx="1">
+            <a:schemeClr val="accent1"/>
+          </a:fillRef>
+          <a:effectRef idx="0">
+            <a:schemeClr val="accent1"/>
+          </a:effectRef>
+          <a:fontRef idx="minor">
+            <a:schemeClr val="lt1"/>
+          </a:fontRef>
+        </p:style>
+        <p:txBody>
+          <a:bodyPr rtlCol="0" anchor="ctr"/>
+          <a:p>
+            <a:pPr algn="ctr"/>
+            <a:r>
+              <a:rPr lang="en-US" altLang="zh-CN" b="1"/>
+              <a:t>vtkPNG</a:t>
+            </a:r>
+            <a:r>
+              <a:rPr lang="en-US" altLang="zh-CN" b="1"/>
+              <a:t>Reader</a:t>
+            </a:r>
+            <a:endParaRPr lang="en-US" altLang="zh-CN"/>
+          </a:p>
+        </p:txBody>
+      </p:sp>
+      <p:cxnSp>
+        <p:nvCxnSpPr>
+          <p:cNvPr id="20" name="直接箭头连接符 19"/>
+          <p:cNvCxnSpPr>
+            <a:stCxn id="13" idx="3"/>
+            <a:endCxn id="19" idx="1"/>
+          </p:cNvCxnSpPr>
+          <p:nvPr/>
+        </p:nvCxnSpPr>
+        <p:spPr>
+          <a:xfrm>
+            <a:off x="3690620" y="2040890"/>
+            <a:ext cx="390525" cy="357505"/>
+          </a:xfrm>
+          <a:prstGeom prst="straightConnector1">
+            <a:avLst/>
+          </a:prstGeom>
+          <a:ln>
+            <a:tailEnd type="arrow"/>
+          </a:ln>
+        </p:spPr>
+        <p:style>
+          <a:lnRef idx="1">
+            <a:schemeClr val="accent1"/>
+          </a:lnRef>
+          <a:fillRef idx="0">
+            <a:schemeClr val="accent1"/>
+          </a:fillRef>
+          <a:effectRef idx="0">
+            <a:schemeClr val="accent1"/>
+          </a:effectRef>
+          <a:fontRef idx="minor">
+            <a:schemeClr val="tx1"/>
+          </a:fontRef>
+        </p:style>
+      </p:cxnSp>
+      <p:sp>
+        <p:nvSpPr>
+          <p:cNvPr id="21" name="圆角矩形 20"/>
+          <p:cNvSpPr/>
+          <p:nvPr/>
+        </p:nvSpPr>
+        <p:spPr>
+          <a:xfrm>
+            <a:off x="838200" y="4914265"/>
+            <a:ext cx="2529205" cy="1146810"/>
+          </a:xfrm>
+          <a:prstGeom prst="roundRect">
+            <a:avLst/>
+          </a:prstGeom>
+        </p:spPr>
+        <p:style>
+          <a:lnRef idx="2">
+            <a:schemeClr val="accent1">
+              <a:shade val="50000"/>
+            </a:schemeClr>
+          </a:lnRef>
+          <a:fillRef idx="1">
+            <a:schemeClr val="accent1"/>
+          </a:fillRef>
+          <a:effectRef idx="0">
+            <a:schemeClr val="accent1"/>
+          </a:effectRef>
+          <a:fontRef idx="minor">
+            <a:schemeClr val="lt1"/>
+          </a:fontRef>
+        </p:style>
+        <p:txBody>
+          <a:bodyPr rtlCol="0" anchor="ctr"/>
+          <a:p>
+            <a:pPr algn="ctr"/>
+            <a:r>
+              <a:rPr lang="en-US" altLang="zh-CN" b="1"/>
+              <a:t>vtkReaderAlgorithm</a:t>
+            </a:r>
+            <a:endParaRPr lang="en-US" altLang="zh-CN"/>
+          </a:p>
+        </p:txBody>
+      </p:sp>
+      <p:sp>
+        <p:nvSpPr>
+          <p:cNvPr id="22" name="圆角矩形 21"/>
+          <p:cNvSpPr/>
+          <p:nvPr/>
+        </p:nvSpPr>
+        <p:spPr>
+          <a:xfrm>
+            <a:off x="3690620" y="4913630"/>
+            <a:ext cx="2529205" cy="1146810"/>
+          </a:xfrm>
+          <a:prstGeom prst="roundRect">
+            <a:avLst/>
+          </a:prstGeom>
+        </p:spPr>
+        <p:style>
+          <a:lnRef idx="2">
+            <a:schemeClr val="accent1">
+              <a:shade val="50000"/>
+            </a:schemeClr>
+          </a:lnRef>
+          <a:fillRef idx="1">
+            <a:schemeClr val="accent1"/>
+          </a:fillRef>
+          <a:effectRef idx="0">
+            <a:schemeClr val="accent1"/>
+          </a:effectRef>
+          <a:fontRef idx="minor">
+            <a:schemeClr val="lt1"/>
+          </a:fontRef>
+        </p:style>
+        <p:txBody>
+          <a:bodyPr rtlCol="0" anchor="ctr"/>
+          <a:p>
+            <a:pPr algn="ctr"/>
+            <a:r>
+              <a:rPr lang="en-US" altLang="zh-CN" b="1"/>
+              <a:t>vtkDataReader</a:t>
+            </a:r>
+            <a:endParaRPr lang="en-US" altLang="zh-CN" b="1"/>
+          </a:p>
+          <a:p>
+            <a:pPr algn="ctr"/>
+            <a:r>
+              <a:rPr lang="en-US" altLang="zh-CN">
+                <a:sym typeface="+mn-ea"/>
+              </a:rPr>
+              <a:t>- SetFileName(fn)</a:t>
+            </a:r>
+            <a:endParaRPr lang="en-US" altLang="zh-CN"/>
+          </a:p>
+          <a:p>
+            <a:pPr algn="ctr"/>
+            <a:r>
+              <a:rPr lang="en-US" altLang="zh-CN">
+                <a:sym typeface="+mn-ea"/>
+              </a:rPr>
+              <a:t>- Update()</a:t>
+            </a:r>
+            <a:endParaRPr lang="en-US" altLang="zh-CN"/>
+          </a:p>
+        </p:txBody>
+      </p:sp>
+      <p:cxnSp>
+        <p:nvCxnSpPr>
+          <p:cNvPr id="23" name="直接箭头连接符 22"/>
+          <p:cNvCxnSpPr>
+            <a:stCxn id="22" idx="3"/>
+            <a:endCxn id="5" idx="1"/>
+          </p:cNvCxnSpPr>
+          <p:nvPr/>
+        </p:nvCxnSpPr>
+        <p:spPr>
+          <a:xfrm>
+            <a:off x="6219825" y="5487035"/>
+            <a:ext cx="365125" cy="635"/>
+          </a:xfrm>
+          <a:prstGeom prst="straightConnector1">
+            <a:avLst/>
+          </a:prstGeom>
+          <a:ln>
+            <a:tailEnd type="arrow"/>
+          </a:ln>
+        </p:spPr>
+        <p:style>
+          <a:lnRef idx="1">
+            <a:schemeClr val="accent1"/>
+          </a:lnRef>
+          <a:fillRef idx="0">
+            <a:schemeClr val="accent1"/>
+          </a:fillRef>
+          <a:effectRef idx="0">
+            <a:schemeClr val="accent1"/>
+          </a:effectRef>
+          <a:fontRef idx="minor">
+            <a:schemeClr val="tx1"/>
+          </a:fontRef>
+        </p:style>
+      </p:cxnSp>
+      <p:cxnSp>
+        <p:nvCxnSpPr>
+          <p:cNvPr id="24" name="直接箭头连接符 23"/>
+          <p:cNvCxnSpPr>
+            <a:stCxn id="21" idx="3"/>
+            <a:endCxn id="22" idx="1"/>
+          </p:cNvCxnSpPr>
+          <p:nvPr/>
+        </p:nvCxnSpPr>
+        <p:spPr>
+          <a:xfrm flipV="1">
+            <a:off x="3367405" y="5487035"/>
+            <a:ext cx="323215" cy="635"/>
+          </a:xfrm>
+          <a:prstGeom prst="straightConnector1">
+            <a:avLst/>
+          </a:prstGeom>
+          <a:ln>
+            <a:tailEnd type="arrow"/>
+          </a:ln>
+        </p:spPr>
+        <p:style>
+          <a:lnRef idx="1">
+            <a:schemeClr val="accent1"/>
+          </a:lnRef>
+          <a:fillRef idx="0">
+            <a:schemeClr val="accent1"/>
+          </a:fillRef>
+          <a:effectRef idx="0">
+            <a:schemeClr val="accent1"/>
+          </a:effectRef>
+          <a:fontRef idx="minor">
+            <a:schemeClr val="tx1"/>
+          </a:fontRef>
+        </p:style>
+      </p:cxnSp>
+    </p:spTree>
+    <p:custDataLst>
+      <p:tags r:id="rId1"/>
+    </p:custDataLst>
+  </p:cSld>
+  <p:clrMapOvr>
+    <a:masterClrMapping/>
+  </p:clrMapOvr>
+</p:sld>
+</file>
+
+<file path=ppt/slides/slide7.xml><?xml version="1.0" encoding="utf-8"?>
+<p:sld xmlns:a="http://schemas.openxmlformats.org/drawingml/2006/main" xmlns:r="http://schemas.openxmlformats.org/officeDocument/2006/relationships" xmlns:p="http://schemas.openxmlformats.org/presentationml/2006/main">
+  <p:cSld>
+    <p:spTree>
+      <p:nvGrpSpPr>
+        <p:cNvPr id="1" name=""/>
+        <p:cNvGrpSpPr/>
+        <p:nvPr/>
+      </p:nvGrpSpPr>
+      <p:grpSpPr/>
+      <p:sp>
+        <p:nvSpPr>
+          <p:cNvPr id="2" name="标题 1"/>
+          <p:cNvSpPr>
+            <a:spLocks noGrp="1"/>
+          </p:cNvSpPr>
+          <p:nvPr>
+            <p:ph type="title"/>
+          </p:nvPr>
+        </p:nvSpPr>
+        <p:spPr/>
+        <p:txBody>
+          <a:bodyPr/>
+          <a:p>
+            <a:r>
+              <a:rPr lang="en-US" altLang="zh-CN"/>
+              <a:t>Data</a:t>
+            </a:r>
+            <a:endParaRPr lang="en-US" altLang="zh-CN"/>
+          </a:p>
+        </p:txBody>
+      </p:sp>
+      <p:sp>
+        <p:nvSpPr>
+          <p:cNvPr id="4" name="圆角矩形 3"/>
+          <p:cNvSpPr/>
+          <p:nvPr/>
+        </p:nvSpPr>
+        <p:spPr>
+          <a:xfrm>
+            <a:off x="5591810" y="2033270"/>
+            <a:ext cx="2256790" cy="640080"/>
+          </a:xfrm>
+          <a:prstGeom prst="roundRect">
+            <a:avLst/>
+          </a:prstGeom>
+        </p:spPr>
+        <p:style>
+          <a:lnRef idx="2">
+            <a:schemeClr val="accent1">
+              <a:shade val="50000"/>
+            </a:schemeClr>
+          </a:lnRef>
+          <a:fillRef idx="1">
+            <a:schemeClr val="accent1"/>
+          </a:fillRef>
+          <a:effectRef idx="0">
+            <a:schemeClr val="accent1"/>
+          </a:effectRef>
+          <a:fontRef idx="minor">
+            <a:schemeClr val="lt1"/>
+          </a:fontRef>
+        </p:style>
+        <p:txBody>
+          <a:bodyPr rtlCol="0" anchor="ctr"/>
+          <a:p>
+            <a:pPr algn="ctr"/>
+            <a:r>
+              <a:rPr lang="en-US" altLang="zh-CN"/>
+              <a:t>vtkImageData</a:t>
+            </a:r>
+            <a:endParaRPr lang="en-US" altLang="zh-CN"/>
+          </a:p>
+        </p:txBody>
+      </p:sp>
+      <p:sp>
+        <p:nvSpPr>
+          <p:cNvPr id="5" name="圆角矩形 4"/>
+          <p:cNvSpPr/>
+          <p:nvPr/>
+        </p:nvSpPr>
+        <p:spPr>
+          <a:xfrm>
+            <a:off x="3016885" y="2033270"/>
+            <a:ext cx="2256790" cy="640080"/>
+          </a:xfrm>
+          <a:prstGeom prst="roundRect">
+            <a:avLst/>
+          </a:prstGeom>
+        </p:spPr>
+        <p:style>
+          <a:lnRef idx="2">
+            <a:schemeClr val="accent1">
+              <a:shade val="50000"/>
+            </a:schemeClr>
+          </a:lnRef>
+          <a:fillRef idx="1">
+            <a:schemeClr val="accent1"/>
+          </a:fillRef>
+          <a:effectRef idx="0">
+            <a:schemeClr val="accent1"/>
+          </a:effectRef>
+          <a:fontRef idx="minor">
+            <a:schemeClr val="lt1"/>
+          </a:fontRef>
+        </p:style>
+        <p:txBody>
+          <a:bodyPr rtlCol="0" anchor="ctr"/>
+          <a:p>
+            <a:pPr algn="ctr"/>
+            <a:r>
+              <a:rPr lang="en-US" altLang="zh-CN"/>
+              <a:t>vtkDataSet</a:t>
+            </a:r>
+            <a:endParaRPr lang="en-US" altLang="zh-CN"/>
+          </a:p>
+        </p:txBody>
+      </p:sp>
+      <p:sp>
+        <p:nvSpPr>
+          <p:cNvPr id="6" name="圆角矩形 5"/>
+          <p:cNvSpPr/>
+          <p:nvPr/>
+        </p:nvSpPr>
+        <p:spPr>
+          <a:xfrm>
+            <a:off x="441325" y="2033270"/>
+            <a:ext cx="2256790" cy="640080"/>
+          </a:xfrm>
+          <a:prstGeom prst="roundRect">
+            <a:avLst/>
+          </a:prstGeom>
+        </p:spPr>
+        <p:style>
+          <a:lnRef idx="2">
+            <a:schemeClr val="accent1">
+              <a:shade val="50000"/>
+            </a:schemeClr>
+          </a:lnRef>
+          <a:fillRef idx="1">
+            <a:schemeClr val="accent1"/>
+          </a:fillRef>
+          <a:effectRef idx="0">
+            <a:schemeClr val="accent1"/>
+          </a:effectRef>
+          <a:fontRef idx="minor">
+            <a:schemeClr val="lt1"/>
+          </a:fontRef>
+        </p:style>
+        <p:txBody>
+          <a:bodyPr rtlCol="0" anchor="ctr"/>
+          <a:p>
+            <a:pPr algn="ctr"/>
+            <a:r>
+              <a:rPr lang="en-US" altLang="zh-CN"/>
+              <a:t>vtkDataObject</a:t>
+            </a:r>
+            <a:endParaRPr lang="en-US" altLang="zh-CN"/>
+          </a:p>
+        </p:txBody>
+      </p:sp>
+      <p:cxnSp>
+        <p:nvCxnSpPr>
+          <p:cNvPr id="7" name="直接箭头连接符 6"/>
+          <p:cNvCxnSpPr>
+            <a:stCxn id="6" idx="3"/>
+            <a:endCxn id="5" idx="1"/>
+          </p:cNvCxnSpPr>
+          <p:nvPr/>
+        </p:nvCxnSpPr>
+        <p:spPr>
+          <a:xfrm>
+            <a:off x="2698115" y="2353310"/>
+            <a:ext cx="318770" cy="0"/>
+          </a:xfrm>
+          <a:prstGeom prst="straightConnector1">
+            <a:avLst/>
+          </a:prstGeom>
+          <a:ln>
+            <a:tailEnd type="arrow"/>
+          </a:ln>
+        </p:spPr>
+        <p:style>
+          <a:lnRef idx="1">
+            <a:schemeClr val="accent1"/>
+          </a:lnRef>
+          <a:fillRef idx="0">
+            <a:schemeClr val="accent1"/>
+          </a:fillRef>
+          <a:effectRef idx="0">
+            <a:schemeClr val="accent1"/>
+          </a:effectRef>
+          <a:fontRef idx="minor">
+            <a:schemeClr val="tx1"/>
+          </a:fontRef>
+        </p:style>
+      </p:cxnSp>
+      <p:cxnSp>
+        <p:nvCxnSpPr>
+          <p:cNvPr id="8" name="直接箭头连接符 7"/>
+          <p:cNvCxnSpPr>
+            <a:stCxn id="5" idx="3"/>
+            <a:endCxn id="4" idx="1"/>
+          </p:cNvCxnSpPr>
+          <p:nvPr/>
+        </p:nvCxnSpPr>
+        <p:spPr>
+          <a:xfrm>
+            <a:off x="5273675" y="2353310"/>
+            <a:ext cx="318135" cy="0"/>
+          </a:xfrm>
+          <a:prstGeom prst="straightConnector1">
+            <a:avLst/>
+          </a:prstGeom>
+          <a:ln>
+            <a:tailEnd type="arrow"/>
+          </a:ln>
+        </p:spPr>
+        <p:style>
+          <a:lnRef idx="1">
+            <a:schemeClr val="accent1"/>
+          </a:lnRef>
+          <a:fillRef idx="0">
+            <a:schemeClr val="accent1"/>
+          </a:fillRef>
+          <a:effectRef idx="0">
+            <a:schemeClr val="accent1"/>
+          </a:effectRef>
+          <a:fontRef idx="minor">
+            <a:schemeClr val="tx1"/>
+          </a:fontRef>
+        </p:style>
+      </p:cxnSp>
+      <p:sp>
+        <p:nvSpPr>
+          <p:cNvPr id="9" name="圆角矩形 8"/>
+          <p:cNvSpPr/>
+          <p:nvPr/>
+        </p:nvSpPr>
+        <p:spPr>
+          <a:xfrm>
+            <a:off x="5591810" y="2997835"/>
+            <a:ext cx="2256790" cy="640080"/>
+          </a:xfrm>
+          <a:prstGeom prst="roundRect">
+            <a:avLst/>
+          </a:prstGeom>
+        </p:spPr>
+        <p:style>
+          <a:lnRef idx="2">
+            <a:schemeClr val="accent1">
+              <a:shade val="50000"/>
+            </a:schemeClr>
+          </a:lnRef>
+          <a:fillRef idx="1">
+            <a:schemeClr val="accent1"/>
+          </a:fillRef>
+          <a:effectRef idx="0">
+            <a:schemeClr val="accent1"/>
+          </a:effectRef>
+          <a:fontRef idx="minor">
+            <a:schemeClr val="lt1"/>
+          </a:fontRef>
+        </p:style>
+        <p:txBody>
+          <a:bodyPr rtlCol="0" anchor="ctr"/>
+          <a:p>
+            <a:pPr algn="ctr"/>
+            <a:r>
+              <a:rPr lang="en-US" altLang="zh-CN"/>
+              <a:t>vtkPoly</a:t>
+            </a:r>
+            <a:r>
+              <a:rPr lang="en-US" altLang="zh-CN"/>
+              <a:t>Data</a:t>
+            </a:r>
+            <a:endParaRPr lang="en-US" altLang="zh-CN"/>
+          </a:p>
+        </p:txBody>
+      </p:sp>
+      <p:cxnSp>
+        <p:nvCxnSpPr>
+          <p:cNvPr id="10" name="直接箭头连接符 9"/>
+          <p:cNvCxnSpPr>
+            <a:stCxn id="5" idx="3"/>
+            <a:endCxn id="9" idx="1"/>
+          </p:cNvCxnSpPr>
+          <p:nvPr/>
+        </p:nvCxnSpPr>
+        <p:spPr>
+          <a:xfrm>
+            <a:off x="5273675" y="2353310"/>
+            <a:ext cx="318135" cy="964565"/>
+          </a:xfrm>
+          <a:prstGeom prst="straightConnector1">
+            <a:avLst/>
+          </a:prstGeom>
+          <a:ln>
+            <a:tailEnd type="arrow"/>
+          </a:ln>
+        </p:spPr>
+        <p:style>
+          <a:lnRef idx="1">
+            <a:schemeClr val="accent1"/>
+          </a:lnRef>
+          <a:fillRef idx="0">
+            <a:schemeClr val="accent1"/>
+          </a:fillRef>
+          <a:effectRef idx="0">
+            <a:schemeClr val="accent1"/>
+          </a:effectRef>
+          <a:fontRef idx="minor">
+            <a:schemeClr val="tx1"/>
+          </a:fontRef>
+        </p:style>
+      </p:cxnSp>
+    </p:spTree>
+    <p:custDataLst>
+      <p:tags r:id="rId1"/>
+    </p:custDataLst>
+  </p:cSld>
+  <p:clrMapOvr>
+    <a:masterClrMapping/>
+  </p:clrMapOvr>
+</p:sld>
+</file>
+
+<file path=ppt/slides/slide8.xml><?xml version="1.0" encoding="utf-8"?>
+<p:sld xmlns:a="http://schemas.openxmlformats.org/drawingml/2006/main" xmlns:r="http://schemas.openxmlformats.org/officeDocument/2006/relationships" xmlns:p="http://schemas.openxmlformats.org/presentationml/2006/main">
+  <p:cSld>
+    <p:spTree>
+      <p:nvGrpSpPr>
+        <p:cNvPr id="1" name=""/>
+        <p:cNvGrpSpPr/>
+        <p:nvPr/>
+      </p:nvGrpSpPr>
+      <p:grpSpPr/>
+      <p:sp>
+        <p:nvSpPr>
+          <p:cNvPr id="2" name="标题 1"/>
+          <p:cNvSpPr>
+            <a:spLocks noGrp="1"/>
+          </p:cNvSpPr>
+          <p:nvPr>
+            <p:ph type="title"/>
+          </p:nvPr>
+        </p:nvSpPr>
+        <p:spPr/>
+        <p:txBody>
+          <a:bodyPr/>
+          <a:p>
+            <a:r>
+              <a:rPr lang="en-US" altLang="zh-CN"/>
+              <a:t>Source</a:t>
+            </a:r>
+            <a:endParaRPr lang="en-US" altLang="zh-CN"/>
+          </a:p>
+        </p:txBody>
+      </p:sp>
+      <p:sp>
+        <p:nvSpPr>
+          <p:cNvPr id="5" name="圆角矩形 4"/>
+          <p:cNvSpPr/>
+          <p:nvPr/>
+        </p:nvSpPr>
+        <p:spPr>
+          <a:xfrm>
+            <a:off x="666115" y="2906395"/>
+            <a:ext cx="2685415" cy="1146810"/>
+          </a:xfrm>
+          <a:prstGeom prst="roundRect">
+            <a:avLst/>
+          </a:prstGeom>
+        </p:spPr>
+        <p:style>
+          <a:lnRef idx="2">
+            <a:schemeClr val="accent1">
+              <a:shade val="50000"/>
+            </a:schemeClr>
+          </a:lnRef>
+          <a:fillRef idx="1">
+            <a:schemeClr val="accent1"/>
+          </a:fillRef>
+          <a:effectRef idx="0">
+            <a:schemeClr val="accent1"/>
+          </a:effectRef>
+          <a:fontRef idx="minor">
+            <a:schemeClr val="lt1"/>
+          </a:fontRef>
+        </p:style>
+        <p:txBody>
+          <a:bodyPr rtlCol="0" anchor="ctr"/>
+          <a:p>
+            <a:pPr algn="ctr"/>
+            <a:r>
+              <a:rPr lang="en-US" altLang="zh-CN" b="1"/>
+              <a:t>vtkPolyDataAlgorithm</a:t>
+            </a:r>
+            <a:endParaRPr lang="en-US" altLang="zh-CN" b="1"/>
+          </a:p>
+          <a:p>
+            <a:pPr algn="ctr"/>
+            <a:r>
+              <a:rPr lang="en-US" altLang="zh-CN">
+                <a:sym typeface="+mn-ea"/>
+              </a:rPr>
+              <a:t>- GetOutput()</a:t>
+            </a:r>
+            <a:endParaRPr lang="en-US" altLang="zh-CN"/>
+          </a:p>
+        </p:txBody>
+      </p:sp>
+      <p:sp>
+        <p:nvSpPr>
+          <p:cNvPr id="4" name="圆角矩形 3"/>
+          <p:cNvSpPr/>
+          <p:nvPr/>
+        </p:nvSpPr>
+        <p:spPr>
+          <a:xfrm>
+            <a:off x="3821430" y="1120775"/>
+            <a:ext cx="2685415" cy="534035"/>
+          </a:xfrm>
+          <a:prstGeom prst="roundRect">
+            <a:avLst/>
+          </a:prstGeom>
+        </p:spPr>
+        <p:style>
+          <a:lnRef idx="2">
+            <a:schemeClr val="accent1">
+              <a:shade val="50000"/>
+            </a:schemeClr>
+          </a:lnRef>
+          <a:fillRef idx="1">
+            <a:schemeClr val="accent1"/>
+          </a:fillRef>
+          <a:effectRef idx="0">
+            <a:schemeClr val="accent1"/>
+          </a:effectRef>
+          <a:fontRef idx="minor">
+            <a:schemeClr val="lt1"/>
+          </a:fontRef>
+        </p:style>
+        <p:txBody>
+          <a:bodyPr rtlCol="0" anchor="ctr"/>
+          <a:p>
+            <a:pPr algn="ctr"/>
+            <a:r>
+              <a:rPr lang="en-US" altLang="zh-CN" b="1"/>
+              <a:t>vtkConeSource</a:t>
+            </a:r>
+            <a:endParaRPr lang="en-US" altLang="zh-CN"/>
+          </a:p>
+        </p:txBody>
+      </p:sp>
+      <p:sp>
+        <p:nvSpPr>
+          <p:cNvPr id="6" name="圆角矩形 5"/>
+          <p:cNvSpPr/>
+          <p:nvPr/>
+        </p:nvSpPr>
+        <p:spPr>
+          <a:xfrm>
+            <a:off x="3808095" y="1824990"/>
+            <a:ext cx="2685415" cy="534035"/>
+          </a:xfrm>
+          <a:prstGeom prst="roundRect">
+            <a:avLst/>
+          </a:prstGeom>
+        </p:spPr>
+        <p:style>
+          <a:lnRef idx="2">
+            <a:schemeClr val="accent1">
+              <a:shade val="50000"/>
+            </a:schemeClr>
+          </a:lnRef>
+          <a:fillRef idx="1">
+            <a:schemeClr val="accent1"/>
+          </a:fillRef>
+          <a:effectRef idx="0">
+            <a:schemeClr val="accent1"/>
+          </a:effectRef>
+          <a:fontRef idx="minor">
+            <a:schemeClr val="lt1"/>
+          </a:fontRef>
+        </p:style>
+        <p:txBody>
+          <a:bodyPr rtlCol="0" anchor="ctr"/>
+          <a:p>
+            <a:pPr algn="ctr"/>
+            <a:r>
+              <a:rPr lang="en-US" altLang="zh-CN" b="1"/>
+              <a:t>vtkCube</a:t>
+            </a:r>
+            <a:r>
+              <a:rPr lang="en-US" altLang="zh-CN" b="1"/>
+              <a:t>Source</a:t>
+            </a:r>
+            <a:endParaRPr lang="en-US" altLang="zh-CN"/>
+          </a:p>
+        </p:txBody>
+      </p:sp>
+      <p:cxnSp>
+        <p:nvCxnSpPr>
+          <p:cNvPr id="7" name="直接箭头连接符 6"/>
+          <p:cNvCxnSpPr>
+            <a:stCxn id="5" idx="3"/>
+            <a:endCxn id="4" idx="1"/>
+          </p:cNvCxnSpPr>
+          <p:nvPr/>
+        </p:nvCxnSpPr>
+        <p:spPr>
+          <a:xfrm flipV="1">
+            <a:off x="3351530" y="1388110"/>
+            <a:ext cx="469900" cy="2091690"/>
+          </a:xfrm>
+          <a:prstGeom prst="straightConnector1">
+            <a:avLst/>
+          </a:prstGeom>
+          <a:ln>
+            <a:tailEnd type="arrow"/>
+          </a:ln>
+        </p:spPr>
+        <p:style>
+          <a:lnRef idx="1">
+            <a:schemeClr val="accent1"/>
+          </a:lnRef>
+          <a:fillRef idx="0">
+            <a:schemeClr val="accent1"/>
+          </a:fillRef>
+          <a:effectRef idx="0">
+            <a:schemeClr val="accent1"/>
+          </a:effectRef>
+          <a:fontRef idx="minor">
+            <a:schemeClr val="tx1"/>
+          </a:fontRef>
+        </p:style>
+      </p:cxnSp>
+      <p:cxnSp>
+        <p:nvCxnSpPr>
+          <p:cNvPr id="8" name="直接箭头连接符 7"/>
+          <p:cNvCxnSpPr>
+            <a:stCxn id="5" idx="3"/>
+            <a:endCxn id="6" idx="1"/>
+          </p:cNvCxnSpPr>
+          <p:nvPr/>
+        </p:nvCxnSpPr>
+        <p:spPr>
+          <a:xfrm flipV="1">
+            <a:off x="3351530" y="2092325"/>
+            <a:ext cx="456565" cy="1387475"/>
+          </a:xfrm>
+          <a:prstGeom prst="straightConnector1">
+            <a:avLst/>
+          </a:prstGeom>
+          <a:ln>
+            <a:tailEnd type="arrow"/>
+          </a:ln>
+        </p:spPr>
+        <p:style>
+          <a:lnRef idx="1">
+            <a:schemeClr val="accent1"/>
+          </a:lnRef>
+          <a:fillRef idx="0">
+            <a:schemeClr val="accent1"/>
+          </a:fillRef>
+          <a:effectRef idx="0">
+            <a:schemeClr val="accent1"/>
+          </a:effectRef>
+          <a:fontRef idx="minor">
+            <a:schemeClr val="tx1"/>
+          </a:fontRef>
+        </p:style>
+      </p:cxnSp>
+      <p:sp>
+        <p:nvSpPr>
+          <p:cNvPr id="9" name="圆角矩形 8"/>
+          <p:cNvSpPr/>
+          <p:nvPr/>
+        </p:nvSpPr>
+        <p:spPr>
+          <a:xfrm>
+            <a:off x="3821430" y="2607310"/>
+            <a:ext cx="2685415" cy="534035"/>
+          </a:xfrm>
+          <a:prstGeom prst="roundRect">
+            <a:avLst/>
+          </a:prstGeom>
+        </p:spPr>
+        <p:style>
+          <a:lnRef idx="2">
+            <a:schemeClr val="accent1">
+              <a:shade val="50000"/>
+            </a:schemeClr>
+          </a:lnRef>
+          <a:fillRef idx="1">
+            <a:schemeClr val="accent1"/>
+          </a:fillRef>
+          <a:effectRef idx="0">
+            <a:schemeClr val="accent1"/>
+          </a:effectRef>
+          <a:fontRef idx="minor">
+            <a:schemeClr val="lt1"/>
+          </a:fontRef>
+        </p:style>
+        <p:txBody>
+          <a:bodyPr rtlCol="0" anchor="ctr"/>
+          <a:p>
+            <a:pPr algn="ctr"/>
+            <a:r>
+              <a:rPr lang="en-US" altLang="zh-CN" b="1"/>
+              <a:t>vtkPlane</a:t>
+            </a:r>
+            <a:r>
+              <a:rPr lang="en-US" altLang="zh-CN" b="1"/>
+              <a:t>Source</a:t>
+            </a:r>
+            <a:endParaRPr lang="en-US" altLang="zh-CN"/>
+          </a:p>
+        </p:txBody>
+      </p:sp>
+      <p:cxnSp>
+        <p:nvCxnSpPr>
+          <p:cNvPr id="10" name="直接箭头连接符 9"/>
+          <p:cNvCxnSpPr>
+            <a:stCxn id="5" idx="3"/>
+            <a:endCxn id="9" idx="1"/>
+          </p:cNvCxnSpPr>
+          <p:nvPr/>
+        </p:nvCxnSpPr>
+        <p:spPr>
+          <a:xfrm flipV="1">
+            <a:off x="3351530" y="2874645"/>
+            <a:ext cx="469900" cy="605155"/>
+          </a:xfrm>
+          <a:prstGeom prst="straightConnector1">
+            <a:avLst/>
+          </a:prstGeom>
+          <a:ln>
+            <a:tailEnd type="arrow"/>
+          </a:ln>
+        </p:spPr>
+        <p:style>
+          <a:lnRef idx="1">
+            <a:schemeClr val="accent1"/>
+          </a:lnRef>
+          <a:fillRef idx="0">
+            <a:schemeClr val="accent1"/>
+          </a:fillRef>
+          <a:effectRef idx="0">
+            <a:schemeClr val="accent1"/>
+          </a:effectRef>
+          <a:fontRef idx="minor">
+            <a:schemeClr val="tx1"/>
+          </a:fontRef>
+        </p:style>
+      </p:cxnSp>
+    </p:spTree>
+    <p:custDataLst>
+      <p:tags r:id="rId1"/>
+    </p:custDataLst>
+  </p:cSld>
+  <p:clrMapOvr>
+    <a:masterClrMapping/>
+  </p:clrMapOvr>
+</p:sld>
+</file>
+
+<file path=ppt/slides/slide9.xml><?xml version="1.0" encoding="utf-8"?>
+<p:sld xmlns:a="http://schemas.openxmlformats.org/drawingml/2006/main" xmlns:r="http://schemas.openxmlformats.org/officeDocument/2006/relationships" xmlns:p="http://schemas.openxmlformats.org/presentationml/2006/main">
+  <p:cSld>
+    <p:spTree>
+      <p:nvGrpSpPr>
+        <p:cNvPr id="1" name=""/>
+        <p:cNvGrpSpPr/>
+        <p:nvPr/>
+      </p:nvGrpSpPr>
+      <p:grpSpPr/>
+      <p:sp>
+        <p:nvSpPr>
+          <p:cNvPr id="2" name="标题 1"/>
+          <p:cNvSpPr>
+            <a:spLocks noGrp="1"/>
+          </p:cNvSpPr>
+          <p:nvPr>
+            <p:ph type="title"/>
+          </p:nvPr>
+        </p:nvSpPr>
+        <p:spPr/>
+        <p:txBody>
+          <a:bodyPr/>
+          <a:p>
+            <a:r>
+              <a:rPr lang="en-US" altLang="zh-CN"/>
+              <a:t>Filters</a:t>
+            </a:r>
+            <a:endParaRPr lang="en-US" altLang="zh-CN"/>
+          </a:p>
+        </p:txBody>
+      </p:sp>
+    </p:spTree>
+    <p:custDataLst>
+      <p:tags r:id="rId1"/>
+    </p:custDataLst>
+  </p:cSld>
+  <p:clrMapOvr>
+    <a:masterClrMapping/>
+  </p:clrMapOvr>
+</p:sld>
+</file>
+
 <file path=ppt/tags/tag1.xml><?xml version="1.0" encoding="utf-8"?>
 <p:tagLst xmlns:p="http://schemas.openxmlformats.org/presentationml/2006/main">
   <p:tag name="KSO_WM_TAG_VERSION" val="1.0"/>
@@ -4703,9 +8281,105 @@
 </p:tagLst>
 </file>
 
+<file path=ppt/tags/tag10.xml><?xml version="1.0" encoding="utf-8"?>
+<p:tagLst xmlns:p="http://schemas.openxmlformats.org/presentationml/2006/main">
+  <p:tag name="KSO_WM_BEAUTIFY_FLAG" val="#wm#"/>
+  <p:tag name="KSO_WM_TEMPLATE_CATEGORY" val="custom"/>
+  <p:tag name="KSO_WM_TEMPLATE_INDEX" val="160402"/>
+</p:tagLst>
+</file>
+
+<file path=ppt/tags/tag11.xml><?xml version="1.0" encoding="utf-8"?>
+<p:tagLst xmlns:p="http://schemas.openxmlformats.org/presentationml/2006/main">
+  <p:tag name="KSO_WM_BEAUTIFY_FLAG" val="#wm#"/>
+  <p:tag name="KSO_WM_TEMPLATE_CATEGORY" val="custom"/>
+  <p:tag name="KSO_WM_TEMPLATE_INDEX" val="160402"/>
+</p:tagLst>
+</file>
+
+<file path=ppt/tags/tag12.xml><?xml version="1.0" encoding="utf-8"?>
+<p:tagLst xmlns:p="http://schemas.openxmlformats.org/presentationml/2006/main">
+  <p:tag name="KSO_WM_BEAUTIFY_FLAG" val="#wm#"/>
+  <p:tag name="KSO_WM_TEMPLATE_CATEGORY" val="custom"/>
+  <p:tag name="KSO_WM_TEMPLATE_INDEX" val="160402"/>
+</p:tagLst>
+</file>
+
+<file path=ppt/tags/tag13.xml><?xml version="1.0" encoding="utf-8"?>
+<p:tagLst xmlns:p="http://schemas.openxmlformats.org/presentationml/2006/main">
+  <p:tag name="KSO_WM_BEAUTIFY_FLAG" val="#wm#"/>
+  <p:tag name="KSO_WM_TEMPLATE_CATEGORY" val="custom"/>
+  <p:tag name="KSO_WM_TEMPLATE_INDEX" val="160402"/>
+</p:tagLst>
+</file>
+
+<file path=ppt/tags/tag14.xml><?xml version="1.0" encoding="utf-8"?>
+<p:tagLst xmlns:p="http://schemas.openxmlformats.org/presentationml/2006/main">
+  <p:tag name="KSO_WM_BEAUTIFY_FLAG" val="#wm#"/>
+  <p:tag name="KSO_WM_TEMPLATE_CATEGORY" val="custom"/>
+  <p:tag name="KSO_WM_TEMPLATE_INDEX" val="160402"/>
+</p:tagLst>
+</file>
+
+<file path=ppt/tags/tag15.xml><?xml version="1.0" encoding="utf-8"?>
+<p:tagLst xmlns:p="http://schemas.openxmlformats.org/presentationml/2006/main">
+  <p:tag name="KSO_WM_BEAUTIFY_FLAG" val="#wm#"/>
+  <p:tag name="KSO_WM_TEMPLATE_CATEGORY" val="custom"/>
+  <p:tag name="KSO_WM_TEMPLATE_INDEX" val="160402"/>
+</p:tagLst>
+</file>
+
+<file path=ppt/tags/tag16.xml><?xml version="1.0" encoding="utf-8"?>
+<p:tagLst xmlns:p="http://schemas.openxmlformats.org/presentationml/2006/main">
+  <p:tag name="KSO_WM_BEAUTIFY_FLAG" val="#wm#"/>
+  <p:tag name="KSO_WM_TEMPLATE_CATEGORY" val="custom"/>
+  <p:tag name="KSO_WM_TEMPLATE_INDEX" val="160402"/>
+</p:tagLst>
+</file>
+
+<file path=ppt/tags/tag17.xml><?xml version="1.0" encoding="utf-8"?>
+<p:tagLst xmlns:p="http://schemas.openxmlformats.org/presentationml/2006/main">
+  <p:tag name="KSO_WM_BEAUTIFY_FLAG" val="#wm#"/>
+  <p:tag name="KSO_WM_TEMPLATE_CATEGORY" val="custom"/>
+  <p:tag name="KSO_WM_TEMPLATE_INDEX" val="160402"/>
+</p:tagLst>
+</file>
+
+<file path=ppt/tags/tag18.xml><?xml version="1.0" encoding="utf-8"?>
+<p:tagLst xmlns:p="http://schemas.openxmlformats.org/presentationml/2006/main">
+  <p:tag name="KSO_WM_BEAUTIFY_FLAG" val="#wm#"/>
+  <p:tag name="KSO_WM_TEMPLATE_CATEGORY" val="custom"/>
+  <p:tag name="KSO_WM_TEMPLATE_INDEX" val="160402"/>
+</p:tagLst>
+</file>
+
+<file path=ppt/tags/tag19.xml><?xml version="1.0" encoding="utf-8"?>
+<p:tagLst xmlns:p="http://schemas.openxmlformats.org/presentationml/2006/main">
+  <p:tag name="KSO_WM_BEAUTIFY_FLAG" val="#wm#"/>
+  <p:tag name="KSO_WM_TEMPLATE_CATEGORY" val="custom"/>
+  <p:tag name="KSO_WM_TEMPLATE_INDEX" val="160402"/>
+</p:tagLst>
+</file>
+
 <file path=ppt/tags/tag2.xml><?xml version="1.0" encoding="utf-8"?>
 <p:tagLst xmlns:p="http://schemas.openxmlformats.org/presentationml/2006/main">
   <p:tag name="KSO_WM_TAG_VERSION" val="1.0"/>
+  <p:tag name="KSO_WM_TEMPLATE_CATEGORY" val="custom"/>
+  <p:tag name="KSO_WM_TEMPLATE_INDEX" val="160402"/>
+</p:tagLst>
+</file>
+
+<file path=ppt/tags/tag20.xml><?xml version="1.0" encoding="utf-8"?>
+<p:tagLst xmlns:p="http://schemas.openxmlformats.org/presentationml/2006/main">
+  <p:tag name="KSO_WM_BEAUTIFY_FLAG" val="#wm#"/>
+  <p:tag name="KSO_WM_TEMPLATE_CATEGORY" val="custom"/>
+  <p:tag name="KSO_WM_TEMPLATE_INDEX" val="160402"/>
+</p:tagLst>
+</file>
+
+<file path=ppt/tags/tag21.xml><?xml version="1.0" encoding="utf-8"?>
+<p:tagLst xmlns:p="http://schemas.openxmlformats.org/presentationml/2006/main">
+  <p:tag name="KSO_WM_BEAUTIFY_FLAG" val="#wm#"/>
   <p:tag name="KSO_WM_TEMPLATE_CATEGORY" val="custom"/>
   <p:tag name="KSO_WM_TEMPLATE_INDEX" val="160402"/>
 </p:tagLst>
@@ -4737,6 +8411,29 @@
 
 <file path=ppt/tags/tag6.xml><?xml version="1.0" encoding="utf-8"?>
 <p:tagLst xmlns:p="http://schemas.openxmlformats.org/presentationml/2006/main">
+  <p:tag name="KSO_WM_TEMPLATE_CATEGORY" val="custom"/>
+  <p:tag name="KSO_WM_TEMPLATE_INDEX" val="160402"/>
+</p:tagLst>
+</file>
+
+<file path=ppt/tags/tag7.xml><?xml version="1.0" encoding="utf-8"?>
+<p:tagLst xmlns:p="http://schemas.openxmlformats.org/presentationml/2006/main">
+  <p:tag name="REFSHAPE" val="796945548"/>
+  <p:tag name="KSO_WM_UNIT_PLACING_PICTURE_USER_VIEWPORT" val="{&quot;height&quot;:11235,&quot;width&quot;:7125}"/>
+</p:tagLst>
+</file>
+
+<file path=ppt/tags/tag8.xml><?xml version="1.0" encoding="utf-8"?>
+<p:tagLst xmlns:p="http://schemas.openxmlformats.org/presentationml/2006/main">
+  <p:tag name="KSO_WM_BEAUTIFY_FLAG" val="#wm#"/>
+  <p:tag name="KSO_WM_TEMPLATE_CATEGORY" val="custom"/>
+  <p:tag name="KSO_WM_TEMPLATE_INDEX" val="160402"/>
+</p:tagLst>
+</file>
+
+<file path=ppt/tags/tag9.xml><?xml version="1.0" encoding="utf-8"?>
+<p:tagLst xmlns:p="http://schemas.openxmlformats.org/presentationml/2006/main">
+  <p:tag name="KSO_WM_BEAUTIFY_FLAG" val="#wm#"/>
   <p:tag name="KSO_WM_TEMPLATE_CATEGORY" val="custom"/>
   <p:tag name="KSO_WM_TEMPLATE_INDEX" val="160402"/>
 </p:tagLst>
